--- a/day5/lecture5_conclusion_eng.pptx
+++ b/day5/lecture5_conclusion_eng.pptx
@@ -6,16 +6,19 @@
     <p:sldMasterId id="2147483690" r:id="rId2"/>
   </p:sldMasterIdLst>
   <p:notesMasterIdLst>
-    <p:notesMasterId r:id="rId10"/>
+    <p:notesMasterId r:id="rId13"/>
   </p:notesMasterIdLst>
   <p:sldIdLst>
     <p:sldId id="256" r:id="rId3"/>
     <p:sldId id="265" r:id="rId4"/>
     <p:sldId id="259" r:id="rId5"/>
-    <p:sldId id="261" r:id="rId6"/>
-    <p:sldId id="264" r:id="rId7"/>
-    <p:sldId id="262" r:id="rId8"/>
-    <p:sldId id="260" r:id="rId9"/>
+    <p:sldId id="271" r:id="rId6"/>
+    <p:sldId id="267" r:id="rId7"/>
+    <p:sldId id="269" r:id="rId8"/>
+    <p:sldId id="270" r:id="rId9"/>
+    <p:sldId id="261" r:id="rId10"/>
+    <p:sldId id="264" r:id="rId11"/>
+    <p:sldId id="260" r:id="rId12"/>
   </p:sldIdLst>
   <p:sldSz cx="9144000" cy="6858000" type="screen4x3"/>
   <p:notesSz cx="6858000" cy="9144000"/>
@@ -208,7 +211,7 @@
           <a:p>
             <a:fld id="{B73D2FB9-C09F-4CC9-B56B-0E79DA024731}" type="datetimeFigureOut">
               <a:rPr lang="en-US" smtClean="0"/>
-              <a:t>1/7/2022</a:t>
+              <a:t>1/13/2022</a:t>
             </a:fld>
             <a:endParaRPr lang="en-US"/>
           </a:p>
@@ -699,7 +702,7 @@
           <a:p>
             <a:fld id="{39E044C2-93E3-4A4B-B6A1-D8E9993814C7}" type="datetime1">
               <a:rPr lang="en-US" smtClean="0"/>
-              <a:t>1/7/2022</a:t>
+              <a:t>1/13/2022</a:t>
             </a:fld>
             <a:endParaRPr lang="en-US"/>
           </a:p>
@@ -886,7 +889,7 @@
           <a:p>
             <a:fld id="{C817BF3A-F2D3-46BD-9E1F-1F9DD7E62B68}" type="datetime1">
               <a:rPr lang="en-US" smtClean="0"/>
-              <a:t>1/7/2022</a:t>
+              <a:t>1/13/2022</a:t>
             </a:fld>
             <a:endParaRPr lang="en-US"/>
           </a:p>
@@ -1082,7 +1085,7 @@
           <a:p>
             <a:fld id="{A25B53AB-0559-4EB5-BE4B-3F20476566A1}" type="datetime1">
               <a:rPr lang="en-US" smtClean="0"/>
-              <a:t>1/7/2022</a:t>
+              <a:t>1/13/2022</a:t>
             </a:fld>
             <a:endParaRPr lang="en-US"/>
           </a:p>
@@ -1334,7 +1337,7 @@
           <a:p>
             <a:fld id="{25085B04-7A33-416C-A7FB-D64ADDEB8FCC}" type="datetime1">
               <a:rPr lang="en-US" smtClean="0"/>
-              <a:t>1/7/2022</a:t>
+              <a:t>1/13/2022</a:t>
             </a:fld>
             <a:endParaRPr lang="en-US"/>
           </a:p>
@@ -1559,7 +1562,7 @@
           <a:p>
             <a:fld id="{25085B04-7A33-416C-A7FB-D64ADDEB8FCC}" type="datetime1">
               <a:rPr lang="en-US" smtClean="0"/>
-              <a:t>1/7/2022</a:t>
+              <a:t>1/13/2022</a:t>
             </a:fld>
             <a:endParaRPr lang="en-US"/>
           </a:p>
@@ -1868,7 +1871,7 @@
           <a:p>
             <a:fld id="{25085B04-7A33-416C-A7FB-D64ADDEB8FCC}" type="datetime1">
               <a:rPr lang="en-US" smtClean="0"/>
-              <a:t>1/7/2022</a:t>
+              <a:t>1/13/2022</a:t>
             </a:fld>
             <a:endParaRPr lang="en-US"/>
           </a:p>
@@ -2037,7 +2040,7 @@
           <a:p>
             <a:fld id="{25085B04-7A33-416C-A7FB-D64ADDEB8FCC}" type="datetime1">
               <a:rPr lang="en-US" smtClean="0"/>
-              <a:t>1/7/2022</a:t>
+              <a:t>1/13/2022</a:t>
             </a:fld>
             <a:endParaRPr lang="en-US"/>
           </a:p>
@@ -2350,7 +2353,7 @@
           <a:p>
             <a:fld id="{25085B04-7A33-416C-A7FB-D64ADDEB8FCC}" type="datetime1">
               <a:rPr lang="en-US" smtClean="0"/>
-              <a:t>1/7/2022</a:t>
+              <a:t>1/13/2022</a:t>
             </a:fld>
             <a:endParaRPr lang="en-US"/>
           </a:p>
@@ -2663,7 +2666,7 @@
           <a:p>
             <a:fld id="{25085B04-7A33-416C-A7FB-D64ADDEB8FCC}" type="datetime1">
               <a:rPr lang="en-US" smtClean="0"/>
-              <a:t>1/7/2022</a:t>
+              <a:t>1/13/2022</a:t>
             </a:fld>
             <a:endParaRPr lang="en-US"/>
           </a:p>
@@ -2884,7 +2887,7 @@
           <a:p>
             <a:fld id="{BA23EE8D-9CE0-4F42-A40F-E28604EA7175}" type="datetime1">
               <a:rPr lang="en-US" smtClean="0"/>
-              <a:t>1/7/2022</a:t>
+              <a:t>1/13/2022</a:t>
             </a:fld>
             <a:endParaRPr lang="en-US"/>
           </a:p>
@@ -3082,7 +3085,7 @@
           <a:p>
             <a:fld id="{1A4DAFB5-4EEC-49BD-AB33-559CD6F558E3}" type="datetime1">
               <a:rPr lang="en-US" smtClean="0"/>
-              <a:t>1/7/2022</a:t>
+              <a:t>1/13/2022</a:t>
             </a:fld>
             <a:endParaRPr lang="en-US"/>
           </a:p>
@@ -3268,7 +3271,7 @@
           <a:p>
             <a:fld id="{48D5DDFF-6E4E-48D6-AC14-E6CBA3C0FEB2}" type="datetime1">
               <a:rPr lang="en-US" smtClean="0"/>
-              <a:t>1/7/2022</a:t>
+              <a:t>1/13/2022</a:t>
             </a:fld>
             <a:endParaRPr lang="en-US"/>
           </a:p>
@@ -3543,7 +3546,7 @@
           <a:p>
             <a:fld id="{1EE2056D-DC17-4607-87F9-EA4937BD48E2}" type="datetime1">
               <a:rPr lang="en-US" smtClean="0"/>
-              <a:t>1/7/2022</a:t>
+              <a:t>1/13/2022</a:t>
             </a:fld>
             <a:endParaRPr lang="en-US"/>
           </a:p>
@@ -3808,7 +3811,7 @@
           <a:p>
             <a:fld id="{866E3DAD-9254-43DE-A1F3-F1D56B1E5B5F}" type="datetime1">
               <a:rPr lang="en-US" smtClean="0"/>
-              <a:t>1/7/2022</a:t>
+              <a:t>1/13/2022</a:t>
             </a:fld>
             <a:endParaRPr lang="en-US"/>
           </a:p>
@@ -4220,7 +4223,7 @@
           <a:p>
             <a:fld id="{12F88D45-78A7-46A0-99B7-2046E351D366}" type="datetime1">
               <a:rPr lang="en-US" smtClean="0"/>
-              <a:t>1/7/2022</a:t>
+              <a:t>1/13/2022</a:t>
             </a:fld>
             <a:endParaRPr lang="en-US"/>
           </a:p>
@@ -4361,7 +4364,7 @@
           <a:p>
             <a:fld id="{7716AC84-6778-466F-95F9-3EEE8E306ABF}" type="datetime1">
               <a:rPr lang="en-US" smtClean="0"/>
-              <a:t>1/7/2022</a:t>
+              <a:t>1/13/2022</a:t>
             </a:fld>
             <a:endParaRPr lang="en-US"/>
           </a:p>
@@ -4474,7 +4477,7 @@
           <a:p>
             <a:fld id="{02DEDAFE-CBEF-41E8-868F-E40C867A5636}" type="datetime1">
               <a:rPr lang="en-US" smtClean="0"/>
-              <a:t>1/7/2022</a:t>
+              <a:t>1/13/2022</a:t>
             </a:fld>
             <a:endParaRPr lang="en-US"/>
           </a:p>
@@ -4785,7 +4788,7 @@
           <a:p>
             <a:fld id="{20C87E4D-F358-4436-A283-114607D95274}" type="datetime1">
               <a:rPr lang="en-US" smtClean="0"/>
-              <a:t>1/7/2022</a:t>
+              <a:t>1/13/2022</a:t>
             </a:fld>
             <a:endParaRPr lang="en-US"/>
           </a:p>
@@ -5076,7 +5079,7 @@
           <a:p>
             <a:fld id="{6CCABA82-8A7B-4924-987B-0B7221667B17}" type="datetime1">
               <a:rPr lang="en-US" smtClean="0"/>
-              <a:t>1/7/2022</a:t>
+              <a:t>1/13/2022</a:t>
             </a:fld>
             <a:endParaRPr lang="en-US"/>
           </a:p>
@@ -5274,7 +5277,7 @@
           <a:p>
             <a:fld id="{C602C5EE-1F52-440A-B21D-CF34717184B1}" type="datetime1">
               <a:rPr lang="en-US" smtClean="0"/>
-              <a:t>1/7/2022</a:t>
+              <a:t>1/13/2022</a:t>
             </a:fld>
             <a:endParaRPr lang="en-US"/>
           </a:p>
@@ -5482,7 +5485,7 @@
           <a:p>
             <a:fld id="{88EA7AC3-3927-460F-BC0A-B8263F635273}" type="datetime1">
               <a:rPr lang="en-US" smtClean="0"/>
-              <a:t>1/7/2022</a:t>
+              <a:t>1/13/2022</a:t>
             </a:fld>
             <a:endParaRPr lang="en-US"/>
           </a:p>
@@ -5691,7 +5694,7 @@
           <a:p>
             <a:fld id="{0FFE502A-1A4E-496B-B2D2-529468F64463}" type="datetime1">
               <a:rPr lang="en-US" smtClean="0"/>
-              <a:t>1/7/2022</a:t>
+              <a:t>1/13/2022</a:t>
             </a:fld>
             <a:endParaRPr lang="en-US"/>
           </a:p>
@@ -5994,7 +5997,7 @@
           <a:p>
             <a:fld id="{883C4EB8-5BFD-4159-A72D-C2776364B018}" type="datetime1">
               <a:rPr lang="en-US" smtClean="0"/>
-              <a:t>1/7/2022</a:t>
+              <a:t>1/13/2022</a:t>
             </a:fld>
             <a:endParaRPr lang="en-US"/>
           </a:p>
@@ -6436,7 +6439,7 @@
           <a:p>
             <a:fld id="{5A7D63EA-6161-451A-A0F2-180457136142}" type="datetime1">
               <a:rPr lang="en-US" smtClean="0"/>
-              <a:t>1/7/2022</a:t>
+              <a:t>1/13/2022</a:t>
             </a:fld>
             <a:endParaRPr lang="en-US"/>
           </a:p>
@@ -6571,7 +6574,7 @@
           <a:p>
             <a:fld id="{BABC1D1C-8B0E-4131-A976-A04913DCA754}" type="datetime1">
               <a:rPr lang="en-US" smtClean="0"/>
-              <a:t>1/7/2022</a:t>
+              <a:t>1/13/2022</a:t>
             </a:fld>
             <a:endParaRPr lang="en-US"/>
           </a:p>
@@ -6684,7 +6687,7 @@
           <a:p>
             <a:fld id="{EF1416D0-C41F-4D88-B020-7F74E89E4490}" type="datetime1">
               <a:rPr lang="en-US" smtClean="0"/>
-              <a:t>1/7/2022</a:t>
+              <a:t>1/13/2022</a:t>
             </a:fld>
             <a:endParaRPr lang="en-US"/>
           </a:p>
@@ -6977,7 +6980,7 @@
           <a:p>
             <a:fld id="{B8924456-345A-46DF-8D2A-935514574781}" type="datetime1">
               <a:rPr lang="en-US" smtClean="0"/>
-              <a:t>1/7/2022</a:t>
+              <a:t>1/13/2022</a:t>
             </a:fld>
             <a:endParaRPr lang="en-US"/>
           </a:p>
@@ -7251,7 +7254,7 @@
           <a:p>
             <a:fld id="{5639636D-8884-4082-A066-DA2A6F62C12B}" type="datetime1">
               <a:rPr lang="en-US" smtClean="0"/>
-              <a:t>1/7/2022</a:t>
+              <a:t>1/13/2022</a:t>
             </a:fld>
             <a:endParaRPr lang="en-US"/>
           </a:p>
@@ -7545,7 +7548,7 @@
           <a:p>
             <a:fld id="{25085B04-7A33-416C-A7FB-D64ADDEB8FCC}" type="datetime1">
               <a:rPr lang="en-US" smtClean="0"/>
-              <a:t>1/7/2022</a:t>
+              <a:t>1/13/2022</a:t>
             </a:fld>
             <a:endParaRPr lang="en-US"/>
           </a:p>
@@ -8392,7 +8395,7 @@
           <a:p>
             <a:fld id="{A7853F80-D63E-429F-B326-B00475E1D8E8}" type="datetime1">
               <a:rPr lang="en-US" smtClean="0"/>
-              <a:t>1/7/2022</a:t>
+              <a:t>1/13/2022</a:t>
             </a:fld>
             <a:endParaRPr lang="en-US"/>
           </a:p>
@@ -8834,10 +8837,18 @@
           <a:lstStyle/>
           <a:p>
             <a:r>
-              <a:rPr lang="en-US" dirty="0" smtClean="0"/>
-              <a:t>Course conclusion</a:t>
-            </a:r>
-            <a:endParaRPr lang="en-US" dirty="0"/>
+              <a:rPr lang="es-419" noProof="0" dirty="0" err="1" smtClean="0"/>
+              <a:t>Course</a:t>
+            </a:r>
+            <a:r>
+              <a:rPr lang="es-419" noProof="0" dirty="0" smtClean="0"/>
+              <a:t> </a:t>
+            </a:r>
+            <a:r>
+              <a:rPr lang="es-419" noProof="0" dirty="0" err="1" smtClean="0"/>
+              <a:t>conclusion</a:t>
+            </a:r>
+            <a:endParaRPr lang="es-419" noProof="0" dirty="0"/>
           </a:p>
         </p:txBody>
       </p:sp>
@@ -9109,12 +9120,20 @@
           <a:p>
             <a:pPr defTabSz="914400"/>
             <a:r>
+              <a:rPr lang="en-US" kern="0" dirty="0" smtClean="0"/>
+              <a:t>Drs. </a:t>
+            </a:r>
+            <a:r>
               <a:rPr lang="en-US" kern="0" dirty="0"/>
-              <a:t>Dr. Cole </a:t>
-            </a:r>
-            <a:r>
-              <a:rPr lang="en-US" kern="0" dirty="0" err="1"/>
+              <a:t>Cole </a:t>
+            </a:r>
+            <a:r>
+              <a:rPr lang="en-US" kern="0" dirty="0" err="1" smtClean="0"/>
               <a:t>Monnahan</a:t>
+            </a:r>
+            <a:r>
+              <a:rPr lang="en-US" kern="0" dirty="0" smtClean="0"/>
+              <a:t>, Noble Hendrix</a:t>
             </a:r>
             <a:endParaRPr lang="en-US" kern="0" dirty="0"/>
           </a:p>
@@ -9124,6 +9143,229 @@
     <p:extLst>
       <p:ext uri="{BB962C8B-B14F-4D97-AF65-F5344CB8AC3E}">
         <p14:creationId xmlns:p14="http://schemas.microsoft.com/office/powerpoint/2010/main" val="2416262538"/>
+      </p:ext>
+    </p:extLst>
+  </p:cSld>
+  <p:clrMapOvr>
+    <a:masterClrMapping/>
+  </p:clrMapOvr>
+</p:sld>
+</file>
+
+<file path=ppt/slides/slide10.xml><?xml version="1.0" encoding="utf-8"?>
+<p:sld xmlns:a="http://schemas.openxmlformats.org/drawingml/2006/main" xmlns:r="http://schemas.openxmlformats.org/officeDocument/2006/relationships" xmlns:p="http://schemas.openxmlformats.org/presentationml/2006/main">
+  <p:cSld>
+    <p:spTree>
+      <p:nvGrpSpPr>
+        <p:cNvPr id="1" name=""/>
+        <p:cNvGrpSpPr/>
+        <p:nvPr/>
+      </p:nvGrpSpPr>
+      <p:grpSpPr>
+        <a:xfrm>
+          <a:off x="0" y="0"/>
+          <a:ext cx="0" cy="0"/>
+          <a:chOff x="0" y="0"/>
+          <a:chExt cx="0" cy="0"/>
+        </a:xfrm>
+      </p:grpSpPr>
+      <p:sp>
+        <p:nvSpPr>
+          <p:cNvPr id="2" name="Title 1"/>
+          <p:cNvSpPr>
+            <a:spLocks noGrp="1"/>
+          </p:cNvSpPr>
+          <p:nvPr>
+            <p:ph type="title"/>
+          </p:nvPr>
+        </p:nvSpPr>
+        <p:spPr/>
+        <p:txBody>
+          <a:bodyPr/>
+          <a:lstStyle/>
+          <a:p>
+            <a:endParaRPr lang="es-419" noProof="0" dirty="0"/>
+          </a:p>
+        </p:txBody>
+      </p:sp>
+      <p:sp>
+        <p:nvSpPr>
+          <p:cNvPr id="3" name="Content Placeholder 2"/>
+          <p:cNvSpPr>
+            <a:spLocks noGrp="1"/>
+          </p:cNvSpPr>
+          <p:nvPr>
+            <p:ph idx="1"/>
+          </p:nvPr>
+        </p:nvSpPr>
+        <p:spPr/>
+        <p:txBody>
+          <a:bodyPr/>
+          <a:lstStyle/>
+          <a:p>
+            <a:r>
+              <a:rPr lang="es-419" noProof="0" dirty="0" err="1" smtClean="0"/>
+              <a:t>Thanks</a:t>
+            </a:r>
+            <a:r>
+              <a:rPr lang="es-419" noProof="0" dirty="0" smtClean="0"/>
+              <a:t> to:</a:t>
+            </a:r>
+          </a:p>
+          <a:p>
+            <a:r>
+              <a:rPr lang="es-419" noProof="0" dirty="0" smtClean="0"/>
+              <a:t>Dr. Ernst </a:t>
+            </a:r>
+            <a:r>
+              <a:rPr lang="es-419" noProof="0" dirty="0" err="1" smtClean="0"/>
+              <a:t>for</a:t>
+            </a:r>
+            <a:r>
+              <a:rPr lang="es-419" noProof="0" dirty="0" smtClean="0"/>
+              <a:t> </a:t>
+            </a:r>
+            <a:r>
+              <a:rPr lang="es-419" noProof="0" dirty="0" err="1" smtClean="0"/>
+              <a:t>organizing</a:t>
+            </a:r>
+            <a:r>
+              <a:rPr lang="es-419" noProof="0" dirty="0" smtClean="0"/>
+              <a:t> </a:t>
+            </a:r>
+            <a:r>
+              <a:rPr lang="es-419" noProof="0" dirty="0" err="1" smtClean="0"/>
+              <a:t>the</a:t>
+            </a:r>
+            <a:r>
+              <a:rPr lang="es-419" noProof="0" dirty="0" smtClean="0"/>
+              <a:t> </a:t>
+            </a:r>
+            <a:r>
+              <a:rPr lang="es-419" noProof="0" dirty="0" err="1" smtClean="0"/>
+              <a:t>course</a:t>
+            </a:r>
+            <a:r>
+              <a:rPr lang="es-419" noProof="0" dirty="0" smtClean="0"/>
+              <a:t>, </a:t>
+            </a:r>
+            <a:r>
+              <a:rPr lang="es-419" noProof="0" dirty="0" err="1" smtClean="0"/>
+              <a:t>translation</a:t>
+            </a:r>
+            <a:r>
+              <a:rPr lang="es-419" noProof="0" dirty="0" smtClean="0"/>
+              <a:t>, </a:t>
+            </a:r>
+            <a:r>
+              <a:rPr lang="es-419" noProof="0" dirty="0" smtClean="0"/>
+              <a:t>and </a:t>
+            </a:r>
+            <a:r>
+              <a:rPr lang="es-419" noProof="0" dirty="0" err="1" smtClean="0"/>
+              <a:t>participation</a:t>
+            </a:r>
+            <a:endParaRPr lang="es-419" noProof="0" dirty="0" smtClean="0"/>
+          </a:p>
+          <a:p>
+            <a:r>
+              <a:rPr lang="es-419" noProof="0" dirty="0" err="1" smtClean="0"/>
+              <a:t>UdeC</a:t>
+            </a:r>
+            <a:r>
+              <a:rPr lang="es-419" noProof="0" dirty="0" smtClean="0"/>
+              <a:t> </a:t>
+            </a:r>
+            <a:r>
+              <a:rPr lang="es-419" noProof="0" dirty="0" err="1" smtClean="0"/>
+              <a:t>for</a:t>
+            </a:r>
+            <a:r>
+              <a:rPr lang="es-419" noProof="0" dirty="0" smtClean="0"/>
+              <a:t> </a:t>
+            </a:r>
+            <a:r>
+              <a:rPr lang="es-419" noProof="0" dirty="0" smtClean="0"/>
+              <a:t>hosting </a:t>
+            </a:r>
+            <a:r>
+              <a:rPr lang="es-419" noProof="0" dirty="0" err="1" smtClean="0"/>
+              <a:t>virtually</a:t>
+            </a:r>
+            <a:endParaRPr lang="es-419" noProof="0" dirty="0" smtClean="0"/>
+          </a:p>
+          <a:p>
+            <a:r>
+              <a:rPr lang="es-419" dirty="0" err="1" smtClean="0"/>
+              <a:t>Hopefully</a:t>
+            </a:r>
+            <a:r>
+              <a:rPr lang="es-419" dirty="0" smtClean="0"/>
+              <a:t> </a:t>
+            </a:r>
+            <a:r>
+              <a:rPr lang="es-419" dirty="0" err="1" smtClean="0"/>
+              <a:t>we</a:t>
+            </a:r>
+            <a:r>
+              <a:rPr lang="es-419" dirty="0" smtClean="0"/>
+              <a:t> can </a:t>
+            </a:r>
+            <a:r>
+              <a:rPr lang="es-419" dirty="0" err="1" smtClean="0"/>
+              <a:t>meet</a:t>
+            </a:r>
+            <a:r>
+              <a:rPr lang="es-419" dirty="0" smtClean="0"/>
+              <a:t> in </a:t>
+            </a:r>
+            <a:r>
+              <a:rPr lang="es-419" dirty="0" err="1" smtClean="0"/>
+              <a:t>person</a:t>
+            </a:r>
+            <a:r>
+              <a:rPr lang="es-419" dirty="0" smtClean="0"/>
+              <a:t> at a </a:t>
+            </a:r>
+            <a:r>
+              <a:rPr lang="es-419" dirty="0" err="1" smtClean="0"/>
+              <a:t>future</a:t>
+            </a:r>
+            <a:r>
+              <a:rPr lang="es-419" dirty="0" smtClean="0"/>
+              <a:t> workshop</a:t>
+            </a:r>
+            <a:endParaRPr lang="es-419" noProof="0" dirty="0"/>
+          </a:p>
+        </p:txBody>
+      </p:sp>
+      <p:sp>
+        <p:nvSpPr>
+          <p:cNvPr id="4" name="Slide Number Placeholder 3"/>
+          <p:cNvSpPr>
+            <a:spLocks noGrp="1"/>
+          </p:cNvSpPr>
+          <p:nvPr>
+            <p:ph type="sldNum" sz="quarter" idx="12"/>
+          </p:nvPr>
+        </p:nvSpPr>
+        <p:spPr/>
+        <p:txBody>
+          <a:bodyPr/>
+          <a:lstStyle/>
+          <a:p>
+            <a:fld id="{2F5854F6-968A-43DD-98AD-2128488B7BB7}" type="slidenum">
+              <a:rPr lang="en-US" smtClean="0"/>
+              <a:t>10</a:t>
+            </a:fld>
+            <a:endParaRPr lang="en-US"/>
+          </a:p>
+        </p:txBody>
+      </p:sp>
+    </p:spTree>
+    <p:extLst>
+      <p:ext uri="{BB962C8B-B14F-4D97-AF65-F5344CB8AC3E}">
+        <p14:creationId xmlns:p14="http://schemas.microsoft.com/office/powerpoint/2010/main" val="3038032599"/>
       </p:ext>
     </p:extLst>
   </p:cSld>
@@ -9166,13 +9408,22 @@
           <a:lstStyle/>
           <a:p>
             <a:r>
-              <a:rPr lang="en-US" dirty="0" smtClean="0"/>
-              <a:t>Big picture </a:t>
-            </a:r>
-            <a:r>
-              <a:rPr lang="en-US" dirty="0"/>
+              <a:rPr lang="es-419" noProof="0" dirty="0" smtClean="0"/>
+              <a:t>Big </a:t>
+            </a:r>
+            <a:r>
+              <a:rPr lang="es-419" noProof="0" dirty="0" err="1" smtClean="0"/>
+              <a:t>picture</a:t>
+            </a:r>
+            <a:r>
+              <a:rPr lang="es-419" noProof="0" dirty="0" smtClean="0"/>
+              <a:t> </a:t>
+            </a:r>
+            <a:r>
+              <a:rPr lang="es-419" noProof="0" dirty="0" err="1" smtClean="0"/>
               <a:t>review</a:t>
             </a:r>
+            <a:endParaRPr lang="es-419" noProof="0" dirty="0"/>
           </a:p>
         </p:txBody>
       </p:sp>
@@ -9188,53 +9439,313 @@
         </p:nvSpPr>
         <p:spPr>
           <a:xfrm>
-            <a:off x="457200" y="1257300"/>
+            <a:off x="457200" y="1417638"/>
             <a:ext cx="8229600" cy="4530725"/>
           </a:xfrm>
         </p:spPr>
         <p:txBody>
           <a:bodyPr>
-            <a:normAutofit/>
+            <a:normAutofit fontScale="77500" lnSpcReduction="20000"/>
           </a:bodyPr>
           <a:lstStyle/>
           <a:p>
             <a:r>
-              <a:rPr lang="en-US" sz="3600" dirty="0" smtClean="0"/>
-              <a:t>Statistical modeling is hard!</a:t>
+              <a:rPr lang="es-419" sz="3600" noProof="0" dirty="0" err="1" smtClean="0"/>
+              <a:t>Statistical</a:t>
+            </a:r>
+            <a:r>
+              <a:rPr lang="es-419" sz="3600" noProof="0" dirty="0" smtClean="0"/>
+              <a:t> </a:t>
+            </a:r>
+            <a:r>
+              <a:rPr lang="es-419" sz="3600" noProof="0" dirty="0" err="1" smtClean="0"/>
+              <a:t>modeling</a:t>
+            </a:r>
+            <a:r>
+              <a:rPr lang="es-419" sz="3600" noProof="0" dirty="0" smtClean="0"/>
+              <a:t> </a:t>
+            </a:r>
+            <a:r>
+              <a:rPr lang="es-419" sz="3600" noProof="0" dirty="0" err="1" smtClean="0"/>
+              <a:t>is</a:t>
+            </a:r>
+            <a:r>
+              <a:rPr lang="es-419" sz="3600" noProof="0" dirty="0" smtClean="0"/>
+              <a:t> </a:t>
+            </a:r>
+            <a:r>
+              <a:rPr lang="es-419" sz="3600" noProof="0" dirty="0" err="1" smtClean="0"/>
+              <a:t>hard</a:t>
+            </a:r>
+            <a:r>
+              <a:rPr lang="es-419" sz="3600" noProof="0" dirty="0" smtClean="0"/>
+              <a:t>!</a:t>
             </a:r>
           </a:p>
           <a:p>
             <a:pPr lvl="1"/>
             <a:r>
-              <a:rPr lang="en-US" sz="3200" dirty="0" smtClean="0"/>
-              <a:t>Knowledge of math (calculus)</a:t>
+              <a:rPr lang="es-419" sz="3200" noProof="0" dirty="0" err="1" smtClean="0"/>
+              <a:t>Knowledge</a:t>
+            </a:r>
+            <a:r>
+              <a:rPr lang="es-419" sz="3200" noProof="0" dirty="0" smtClean="0"/>
+              <a:t> of </a:t>
+            </a:r>
+            <a:r>
+              <a:rPr lang="es-419" sz="3200" noProof="0" dirty="0" err="1" smtClean="0"/>
+              <a:t>math</a:t>
+            </a:r>
+            <a:r>
+              <a:rPr lang="es-419" sz="3200" noProof="0" dirty="0" smtClean="0"/>
+              <a:t> (</a:t>
+            </a:r>
+            <a:r>
+              <a:rPr lang="es-419" sz="3200" noProof="0" dirty="0" err="1" smtClean="0"/>
+              <a:t>calculus</a:t>
+            </a:r>
+            <a:r>
+              <a:rPr lang="es-419" sz="3200" noProof="0" dirty="0" smtClean="0"/>
+              <a:t>)</a:t>
             </a:r>
           </a:p>
           <a:p>
             <a:pPr lvl="1"/>
             <a:r>
-              <a:rPr lang="en-US" sz="3200" dirty="0" smtClean="0"/>
-              <a:t>Probability theory</a:t>
-            </a:r>
+              <a:rPr lang="es-419" sz="3200" noProof="0" dirty="0" err="1" smtClean="0"/>
+              <a:t>Probability</a:t>
+            </a:r>
+            <a:r>
+              <a:rPr lang="es-419" sz="3200" noProof="0" dirty="0" smtClean="0"/>
+              <a:t> </a:t>
+            </a:r>
+            <a:r>
+              <a:rPr lang="es-419" sz="3200" noProof="0" dirty="0" err="1" smtClean="0"/>
+              <a:t>theory</a:t>
+            </a:r>
+            <a:endParaRPr lang="es-419" sz="3200" noProof="0" dirty="0" smtClean="0"/>
           </a:p>
           <a:p>
             <a:pPr lvl="1"/>
             <a:r>
-              <a:rPr lang="en-US" sz="3200" dirty="0" smtClean="0"/>
+              <a:rPr lang="es-419" sz="3200" noProof="0" dirty="0" err="1" smtClean="0"/>
               <a:t>Programming</a:t>
             </a:r>
+            <a:endParaRPr lang="es-419" sz="3200" noProof="0" dirty="0" smtClean="0"/>
           </a:p>
           <a:p>
             <a:pPr lvl="1"/>
             <a:r>
-              <a:rPr lang="en-US" sz="3200" dirty="0" smtClean="0"/>
-              <a:t>Scientific domain expertise</a:t>
-            </a:r>
-          </a:p>
-          <a:p>
-            <a:r>
-              <a:rPr lang="en-US" sz="3600" dirty="0" smtClean="0"/>
-              <a:t>It is a lifelong endeavor, keep learning!</a:t>
+              <a:rPr lang="es-419" sz="3200" noProof="0" dirty="0" err="1" smtClean="0"/>
+              <a:t>Scientific</a:t>
+            </a:r>
+            <a:r>
+              <a:rPr lang="es-419" sz="3200" noProof="0" dirty="0" smtClean="0"/>
+              <a:t> </a:t>
+            </a:r>
+            <a:r>
+              <a:rPr lang="es-419" sz="3200" noProof="0" dirty="0" err="1" smtClean="0"/>
+              <a:t>domain</a:t>
+            </a:r>
+            <a:r>
+              <a:rPr lang="es-419" sz="3200" noProof="0" dirty="0" smtClean="0"/>
+              <a:t> </a:t>
+            </a:r>
+            <a:r>
+              <a:rPr lang="es-419" sz="3200" noProof="0" dirty="0" err="1" smtClean="0"/>
+              <a:t>expertise</a:t>
+            </a:r>
+            <a:endParaRPr lang="es-419" sz="3200" noProof="0" dirty="0" smtClean="0"/>
+          </a:p>
+          <a:p>
+            <a:r>
+              <a:rPr lang="es-419" sz="3600" dirty="0" err="1" smtClean="0"/>
+              <a:t>Decisions</a:t>
+            </a:r>
+            <a:r>
+              <a:rPr lang="es-419" sz="3600" dirty="0" smtClean="0"/>
+              <a:t>:</a:t>
+            </a:r>
+          </a:p>
+          <a:p>
+            <a:pPr lvl="1"/>
+            <a:r>
+              <a:rPr lang="es-419" sz="3200" dirty="0" err="1" smtClean="0"/>
+              <a:t>What</a:t>
+            </a:r>
+            <a:r>
+              <a:rPr lang="es-419" sz="3200" dirty="0" smtClean="0"/>
+              <a:t> </a:t>
+            </a:r>
+            <a:r>
+              <a:rPr lang="es-419" sz="3200" dirty="0" err="1" smtClean="0"/>
+              <a:t>likelihood</a:t>
+            </a:r>
+            <a:r>
+              <a:rPr lang="es-419" sz="3200" dirty="0" smtClean="0"/>
+              <a:t>: </a:t>
+            </a:r>
+            <a:r>
+              <a:rPr lang="es-419" sz="3200" dirty="0" err="1" smtClean="0"/>
+              <a:t>model</a:t>
+            </a:r>
+            <a:r>
+              <a:rPr lang="es-419" sz="3200" dirty="0" smtClean="0"/>
+              <a:t> </a:t>
+            </a:r>
+            <a:r>
+              <a:rPr lang="es-419" sz="3200" dirty="0" err="1" smtClean="0"/>
+              <a:t>generating</a:t>
+            </a:r>
+            <a:r>
+              <a:rPr lang="es-419" sz="3200" dirty="0" smtClean="0"/>
+              <a:t> </a:t>
+            </a:r>
+            <a:r>
+              <a:rPr lang="es-419" sz="3200" dirty="0" err="1" smtClean="0"/>
+              <a:t>process</a:t>
+            </a:r>
+            <a:r>
+              <a:rPr lang="es-419" sz="3200" dirty="0" smtClean="0"/>
+              <a:t>?</a:t>
+            </a:r>
+          </a:p>
+          <a:p>
+            <a:pPr lvl="1"/>
+            <a:r>
+              <a:rPr lang="es-419" sz="3200" noProof="0" dirty="0" err="1" smtClean="0"/>
+              <a:t>Expected</a:t>
+            </a:r>
+            <a:r>
+              <a:rPr lang="es-419" sz="3200" noProof="0" dirty="0" smtClean="0"/>
+              <a:t> </a:t>
+            </a:r>
+            <a:r>
+              <a:rPr lang="es-419" sz="3200" noProof="0" dirty="0" err="1" smtClean="0"/>
+              <a:t>value</a:t>
+            </a:r>
+            <a:r>
+              <a:rPr lang="es-419" sz="3200" noProof="0" dirty="0" smtClean="0"/>
+              <a:t> </a:t>
+            </a:r>
+            <a:r>
+              <a:rPr lang="es-419" sz="3200" noProof="0" dirty="0" err="1" smtClean="0"/>
+              <a:t>form</a:t>
+            </a:r>
+            <a:r>
+              <a:rPr lang="es-419" sz="3200" noProof="0" dirty="0" smtClean="0"/>
+              <a:t>/</a:t>
+            </a:r>
+            <a:r>
+              <a:rPr lang="es-419" sz="3200" noProof="0" dirty="0" err="1" smtClean="0"/>
+              <a:t>structure</a:t>
+            </a:r>
+            <a:endParaRPr lang="es-419" sz="3200" noProof="0" dirty="0" smtClean="0"/>
+          </a:p>
+          <a:p>
+            <a:pPr lvl="1"/>
+            <a:r>
+              <a:rPr lang="es-419" sz="3200" dirty="0" err="1" smtClean="0"/>
+              <a:t>Random</a:t>
+            </a:r>
+            <a:r>
+              <a:rPr lang="es-419" sz="3200" dirty="0" smtClean="0"/>
+              <a:t> </a:t>
+            </a:r>
+            <a:r>
+              <a:rPr lang="es-419" sz="3200" dirty="0" err="1" smtClean="0"/>
+              <a:t>effect</a:t>
+            </a:r>
+            <a:r>
+              <a:rPr lang="es-419" sz="3200" dirty="0" smtClean="0"/>
+              <a:t> </a:t>
+            </a:r>
+            <a:r>
+              <a:rPr lang="es-419" sz="3200" dirty="0" err="1" smtClean="0"/>
+              <a:t>structure</a:t>
+            </a:r>
+            <a:endParaRPr lang="es-419" sz="3200" noProof="0" dirty="0" smtClean="0"/>
+          </a:p>
+          <a:p>
+            <a:pPr lvl="1"/>
+            <a:r>
+              <a:rPr lang="es-419" sz="3200" dirty="0" err="1" smtClean="0"/>
+              <a:t>Alternative</a:t>
+            </a:r>
+            <a:r>
+              <a:rPr lang="es-419" sz="3200" dirty="0" smtClean="0"/>
+              <a:t> </a:t>
+            </a:r>
+            <a:r>
+              <a:rPr lang="es-419" sz="3200" dirty="0" err="1" smtClean="0"/>
+              <a:t>models</a:t>
+            </a:r>
+            <a:r>
+              <a:rPr lang="es-419" sz="3200" dirty="0" smtClean="0"/>
+              <a:t>, </a:t>
+            </a:r>
+            <a:r>
+              <a:rPr lang="es-419" sz="3200" dirty="0" err="1" smtClean="0"/>
+              <a:t>selection</a:t>
+            </a:r>
+            <a:r>
+              <a:rPr lang="es-419" sz="3200" dirty="0" smtClean="0"/>
+              <a:t>, </a:t>
+            </a:r>
+            <a:r>
+              <a:rPr lang="es-419" sz="3200" dirty="0" err="1" smtClean="0"/>
+              <a:t>validation</a:t>
+            </a:r>
+            <a:endParaRPr lang="es-419" sz="3200" noProof="0" dirty="0" smtClean="0"/>
+          </a:p>
+          <a:p>
+            <a:r>
+              <a:rPr lang="es-419" sz="3600" noProof="0" dirty="0" err="1" smtClean="0"/>
+              <a:t>It</a:t>
+            </a:r>
+            <a:r>
+              <a:rPr lang="es-419" sz="3600" noProof="0" dirty="0" smtClean="0"/>
+              <a:t> </a:t>
+            </a:r>
+            <a:r>
+              <a:rPr lang="es-419" sz="3600" noProof="0" dirty="0" err="1" smtClean="0"/>
+              <a:t>is</a:t>
+            </a:r>
+            <a:r>
+              <a:rPr lang="es-419" sz="3600" noProof="0" dirty="0" smtClean="0"/>
+              <a:t> a </a:t>
+            </a:r>
+            <a:r>
+              <a:rPr lang="es-419" sz="3600" noProof="0" dirty="0" err="1" smtClean="0"/>
+              <a:t>lifelong</a:t>
+            </a:r>
+            <a:r>
+              <a:rPr lang="es-419" sz="3600" noProof="0" dirty="0" smtClean="0"/>
+              <a:t> </a:t>
+            </a:r>
+            <a:r>
+              <a:rPr lang="es-419" sz="3600" noProof="0" dirty="0" err="1" smtClean="0"/>
+              <a:t>endeavor</a:t>
+            </a:r>
+            <a:r>
+              <a:rPr lang="es-419" sz="3600" noProof="0" dirty="0" smtClean="0"/>
+              <a:t>, </a:t>
+            </a:r>
+            <a:r>
+              <a:rPr lang="es-419" sz="3600" noProof="0" dirty="0" err="1" smtClean="0"/>
+              <a:t>keep</a:t>
+            </a:r>
+            <a:r>
+              <a:rPr lang="es-419" sz="3600" noProof="0" dirty="0" smtClean="0"/>
+              <a:t> </a:t>
+            </a:r>
+            <a:r>
+              <a:rPr lang="es-419" sz="3600" noProof="0" dirty="0" err="1" smtClean="0"/>
+              <a:t>learning</a:t>
+            </a:r>
+            <a:r>
+              <a:rPr lang="es-419" sz="3600" noProof="0" dirty="0" smtClean="0"/>
+              <a:t>!</a:t>
             </a:r>
           </a:p>
         </p:txBody>
@@ -9285,13 +9796,26 @@
           <a:lstStyle/>
           <a:p>
             <a:r>
-              <a:rPr lang="en-US" dirty="0" smtClean="0"/>
-              <a:t>Big picture </a:t>
-            </a:r>
-            <a:r>
-              <a:rPr lang="en-US" dirty="0"/>
+              <a:rPr lang="es-419" noProof="0" dirty="0" smtClean="0"/>
+              <a:t>Big </a:t>
+            </a:r>
+            <a:r>
+              <a:rPr lang="es-419" noProof="0" dirty="0" err="1" smtClean="0"/>
+              <a:t>picture</a:t>
+            </a:r>
+            <a:r>
+              <a:rPr lang="es-419" noProof="0" dirty="0" smtClean="0"/>
+              <a:t> </a:t>
+            </a:r>
+            <a:r>
+              <a:rPr lang="es-419" noProof="0" dirty="0" err="1" smtClean="0"/>
               <a:t>review</a:t>
             </a:r>
+            <a:r>
+              <a:rPr lang="es-419" noProof="0" dirty="0" smtClean="0"/>
+              <a:t>: TMB</a:t>
+            </a:r>
+            <a:endParaRPr lang="es-419" noProof="0" dirty="0"/>
           </a:p>
         </p:txBody>
       </p:sp>
@@ -9307,8 +9831,8 @@
         </p:nvSpPr>
         <p:spPr>
           <a:xfrm>
-            <a:off x="457200" y="1257300"/>
-            <a:ext cx="8229600" cy="4739054"/>
+            <a:off x="457200" y="1265689"/>
+            <a:ext cx="8229600" cy="5135111"/>
           </a:xfrm>
         </p:spPr>
         <p:txBody>
@@ -9318,97 +9842,358 @@
           <a:lstStyle/>
           <a:p>
             <a:r>
-              <a:rPr lang="en-US" sz="2800" dirty="0" smtClean="0"/>
-              <a:t>TMB is hard to use, but </a:t>
+              <a:rPr lang="es-419" sz="2800" noProof="0" dirty="0" smtClean="0"/>
+              <a:t>TMB </a:t>
+            </a:r>
+            <a:r>
+              <a:rPr lang="es-419" sz="2800" noProof="0" dirty="0" err="1" smtClean="0"/>
+              <a:t>is</a:t>
+            </a:r>
+            <a:r>
+              <a:rPr lang="es-419" sz="2800" noProof="0" dirty="0" smtClean="0"/>
+              <a:t> </a:t>
+            </a:r>
+            <a:r>
+              <a:rPr lang="es-419" sz="2800" noProof="0" dirty="0" err="1" smtClean="0"/>
+              <a:t>hard</a:t>
+            </a:r>
+            <a:r>
+              <a:rPr lang="es-419" sz="2800" noProof="0" dirty="0" smtClean="0"/>
+              <a:t> to use, </a:t>
+            </a:r>
+            <a:r>
+              <a:rPr lang="es-419" sz="2800" noProof="0" dirty="0" err="1" smtClean="0"/>
+              <a:t>but</a:t>
+            </a:r>
+            <a:r>
+              <a:rPr lang="es-419" sz="2800" noProof="0" dirty="0" smtClean="0"/>
+              <a:t> </a:t>
             </a:r>
           </a:p>
           <a:p>
             <a:pPr lvl="1"/>
             <a:r>
-              <a:rPr lang="en-US" sz="2400" dirty="0" smtClean="0"/>
-              <a:t>Is becoming very popular and quickly </a:t>
-            </a:r>
-            <a:r>
-              <a:rPr lang="en-US" sz="2400" dirty="0"/>
-              <a:t>replacing </a:t>
-            </a:r>
-            <a:r>
-              <a:rPr lang="en-US" sz="2400" dirty="0" smtClean="0"/>
-              <a:t>ADMB</a:t>
-            </a:r>
-            <a:endParaRPr lang="en-US" sz="2400" dirty="0"/>
+              <a:rPr lang="es-419" sz="2400" noProof="0" dirty="0" err="1" smtClean="0"/>
+              <a:t>Is</a:t>
+            </a:r>
+            <a:r>
+              <a:rPr lang="es-419" sz="2400" noProof="0" dirty="0" smtClean="0"/>
+              <a:t> </a:t>
+            </a:r>
+            <a:r>
+              <a:rPr lang="es-419" sz="2400" noProof="0" dirty="0" err="1" smtClean="0"/>
+              <a:t>becoming</a:t>
+            </a:r>
+            <a:r>
+              <a:rPr lang="es-419" sz="2400" noProof="0" dirty="0" smtClean="0"/>
+              <a:t> </a:t>
+            </a:r>
+            <a:r>
+              <a:rPr lang="es-419" sz="2400" noProof="0" dirty="0" err="1" smtClean="0"/>
+              <a:t>very</a:t>
+            </a:r>
+            <a:r>
+              <a:rPr lang="es-419" sz="2400" noProof="0" dirty="0" smtClean="0"/>
+              <a:t> popular and </a:t>
+            </a:r>
+            <a:r>
+              <a:rPr lang="es-419" sz="2400" noProof="0" dirty="0" err="1" smtClean="0"/>
+              <a:t>quickly</a:t>
+            </a:r>
+            <a:r>
+              <a:rPr lang="es-419" sz="2400" noProof="0" dirty="0" smtClean="0"/>
+              <a:t> </a:t>
+            </a:r>
+            <a:r>
+              <a:rPr lang="es-419" sz="2400" noProof="0" dirty="0" err="1" smtClean="0"/>
+              <a:t>replacing</a:t>
+            </a:r>
+            <a:r>
+              <a:rPr lang="es-419" sz="2400" noProof="0" dirty="0" smtClean="0"/>
+              <a:t> ADMB</a:t>
+            </a:r>
           </a:p>
           <a:p>
             <a:pPr lvl="1"/>
             <a:r>
-              <a:rPr lang="en-US" sz="2400" dirty="0" smtClean="0"/>
-              <a:t>Very transparent about how it works</a:t>
-            </a:r>
+              <a:rPr lang="es-419" sz="2400" noProof="0" dirty="0" err="1" smtClean="0"/>
+              <a:t>Very</a:t>
+            </a:r>
+            <a:r>
+              <a:rPr lang="es-419" sz="2400" noProof="0" dirty="0" smtClean="0"/>
+              <a:t> </a:t>
+            </a:r>
+            <a:r>
+              <a:rPr lang="es-419" sz="2400" noProof="0" dirty="0" err="1" smtClean="0"/>
+              <a:t>transparent</a:t>
+            </a:r>
+            <a:r>
+              <a:rPr lang="es-419" sz="2400" noProof="0" dirty="0" smtClean="0"/>
+              <a:t> </a:t>
+            </a:r>
+            <a:r>
+              <a:rPr lang="es-419" sz="2400" noProof="0" dirty="0" err="1" smtClean="0"/>
+              <a:t>about</a:t>
+            </a:r>
+            <a:r>
+              <a:rPr lang="es-419" sz="2400" noProof="0" dirty="0" smtClean="0"/>
+              <a:t> </a:t>
+            </a:r>
+            <a:r>
+              <a:rPr lang="es-419" sz="2400" noProof="0" dirty="0" err="1" smtClean="0"/>
+              <a:t>how</a:t>
+            </a:r>
+            <a:r>
+              <a:rPr lang="es-419" sz="2400" noProof="0" dirty="0" smtClean="0"/>
+              <a:t> </a:t>
+            </a:r>
+            <a:r>
+              <a:rPr lang="es-419" sz="2400" noProof="0" dirty="0" err="1" smtClean="0"/>
+              <a:t>it</a:t>
+            </a:r>
+            <a:r>
+              <a:rPr lang="es-419" sz="2400" noProof="0" dirty="0"/>
+              <a:t> </a:t>
+            </a:r>
+            <a:r>
+              <a:rPr lang="es-419" sz="2400" noProof="0" dirty="0" err="1" smtClean="0"/>
+              <a:t>works</a:t>
+            </a:r>
+            <a:r>
+              <a:rPr lang="es-419" sz="2400" noProof="0" dirty="0" smtClean="0"/>
+              <a:t>, </a:t>
+            </a:r>
+            <a:r>
+              <a:rPr lang="es-419" sz="2400" noProof="0" dirty="0" err="1" smtClean="0"/>
+              <a:t>good</a:t>
+            </a:r>
+            <a:r>
+              <a:rPr lang="es-419" sz="2400" noProof="0" dirty="0" smtClean="0"/>
+              <a:t> </a:t>
+            </a:r>
+            <a:r>
+              <a:rPr lang="es-419" sz="2400" noProof="0" dirty="0" err="1" smtClean="0"/>
+              <a:t>for</a:t>
+            </a:r>
+            <a:r>
+              <a:rPr lang="es-419" sz="2400" noProof="0" dirty="0" smtClean="0"/>
+              <a:t> </a:t>
+            </a:r>
+            <a:r>
+              <a:rPr lang="es-419" sz="2400" noProof="0" dirty="0" err="1" smtClean="0"/>
+              <a:t>learning</a:t>
+            </a:r>
+            <a:endParaRPr lang="es-419" sz="2400" noProof="0" dirty="0" smtClean="0"/>
           </a:p>
           <a:p>
             <a:pPr lvl="1"/>
             <a:r>
-              <a:rPr lang="en-US" sz="2400" dirty="0" smtClean="0"/>
-              <a:t>Is unparalleled for hierarchical models</a:t>
-            </a:r>
-          </a:p>
-          <a:p>
-            <a:r>
-              <a:rPr lang="en-US" sz="2800" dirty="0" smtClean="0"/>
-              <a:t>Advice: Use </a:t>
-            </a:r>
-            <a:r>
-              <a:rPr lang="en-US" sz="2800" dirty="0" err="1" smtClean="0"/>
-              <a:t>glmmTMB</a:t>
-            </a:r>
-            <a:r>
-              <a:rPr lang="en-US" sz="2800" dirty="0" smtClean="0"/>
-              <a:t> for regressions, </a:t>
-            </a:r>
-            <a:r>
-              <a:rPr lang="en-US" sz="2800" dirty="0" err="1" smtClean="0"/>
-              <a:t>sdmTMB</a:t>
-            </a:r>
-            <a:r>
-              <a:rPr lang="en-US" sz="2800" dirty="0" smtClean="0"/>
-              <a:t> for spatial models to start</a:t>
-            </a:r>
-          </a:p>
-          <a:p>
-            <a:r>
-              <a:rPr lang="en-US" sz="2800" dirty="0" smtClean="0"/>
-              <a:t>Even if you use these package you will now better understand how it works</a:t>
-            </a:r>
-          </a:p>
-          <a:p>
-            <a:r>
-              <a:rPr lang="en-US" sz="2800" dirty="0" smtClean="0"/>
-              <a:t>It takes years to build complex models (</a:t>
-            </a:r>
-            <a:r>
-              <a:rPr lang="en-US" sz="2800" dirty="0" smtClean="0">
-                <a:hlinkClick r:id="rId2"/>
-              </a:rPr>
-              <a:t>VAST</a:t>
-            </a:r>
-            <a:r>
-              <a:rPr lang="en-US" sz="2800" dirty="0" smtClean="0"/>
+              <a:rPr lang="es-419" sz="2400" noProof="0" dirty="0" err="1" smtClean="0"/>
+              <a:t>Is</a:t>
+            </a:r>
+            <a:r>
+              <a:rPr lang="es-419" sz="2400" noProof="0" dirty="0" smtClean="0"/>
+              <a:t> </a:t>
+            </a:r>
+            <a:r>
+              <a:rPr lang="es-419" sz="2400" noProof="0" dirty="0" err="1" smtClean="0"/>
+              <a:t>unparalleled</a:t>
+            </a:r>
+            <a:r>
+              <a:rPr lang="es-419" sz="2400" noProof="0" dirty="0" smtClean="0"/>
+              <a:t> </a:t>
+            </a:r>
+            <a:r>
+              <a:rPr lang="es-419" sz="2400" noProof="0" dirty="0" err="1" smtClean="0"/>
+              <a:t>for</a:t>
+            </a:r>
+            <a:r>
+              <a:rPr lang="es-419" sz="2400" noProof="0" dirty="0" smtClean="0"/>
+              <a:t> </a:t>
+            </a:r>
+            <a:r>
+              <a:rPr lang="es-419" sz="2400" noProof="0" dirty="0" err="1" smtClean="0"/>
+              <a:t>frequentist</a:t>
+            </a:r>
+            <a:r>
+              <a:rPr lang="es-419" sz="2400" noProof="0" dirty="0" smtClean="0"/>
+              <a:t> </a:t>
+            </a:r>
+            <a:r>
+              <a:rPr lang="es-419" sz="2400" noProof="0" dirty="0" err="1" smtClean="0"/>
+              <a:t>hierarchical</a:t>
+            </a:r>
+            <a:r>
+              <a:rPr lang="es-419" sz="2400" noProof="0" dirty="0" smtClean="0"/>
+              <a:t> </a:t>
+            </a:r>
+            <a:r>
+              <a:rPr lang="es-419" sz="2400" noProof="0" dirty="0" err="1" smtClean="0"/>
+              <a:t>models</a:t>
+            </a:r>
+            <a:r>
+              <a:rPr lang="es-419" sz="2400" noProof="0" dirty="0" smtClean="0"/>
               <a:t>, </a:t>
             </a:r>
             <a:r>
-              <a:rPr lang="en-US" sz="2800" dirty="0" smtClean="0">
-                <a:hlinkClick r:id="rId3"/>
-              </a:rPr>
-              <a:t>WHAM</a:t>
-            </a:r>
-            <a:r>
-              <a:rPr lang="en-US" sz="2800" dirty="0" smtClean="0"/>
-              <a:t>)</a:t>
+              <a:rPr lang="es-419" sz="2400" noProof="0" dirty="0" err="1" smtClean="0"/>
+              <a:t>there</a:t>
+            </a:r>
+            <a:r>
+              <a:rPr lang="es-419" sz="2400" noProof="0" dirty="0" smtClean="0"/>
+              <a:t> </a:t>
+            </a:r>
+            <a:r>
+              <a:rPr lang="es-419" sz="2400" noProof="0" dirty="0" err="1" smtClean="0"/>
+              <a:t>is</a:t>
+            </a:r>
+            <a:r>
+              <a:rPr lang="es-419" sz="2400" noProof="0" dirty="0" smtClean="0"/>
+              <a:t> no </a:t>
+            </a:r>
+            <a:r>
+              <a:rPr lang="es-419" sz="2400" noProof="0" dirty="0" err="1" smtClean="0"/>
+              <a:t>other</a:t>
+            </a:r>
+            <a:r>
+              <a:rPr lang="es-419" sz="2400" noProof="0" dirty="0" smtClean="0"/>
+              <a:t> software </a:t>
+            </a:r>
+            <a:r>
+              <a:rPr lang="es-419" sz="2400" noProof="0" dirty="0" err="1" smtClean="0"/>
+              <a:t>capable</a:t>
+            </a:r>
+            <a:r>
+              <a:rPr lang="es-419" sz="2400" noProof="0" dirty="0" smtClean="0"/>
+              <a:t> of </a:t>
+            </a:r>
+            <a:r>
+              <a:rPr lang="es-419" sz="2400" noProof="0" dirty="0" err="1" smtClean="0"/>
+              <a:t>frequentist</a:t>
+            </a:r>
+            <a:r>
+              <a:rPr lang="es-419" sz="2400" noProof="0" dirty="0" smtClean="0"/>
+              <a:t> </a:t>
+            </a:r>
+            <a:r>
+              <a:rPr lang="es-419" sz="2400" noProof="0" dirty="0" err="1" smtClean="0"/>
+              <a:t>inference</a:t>
+            </a:r>
+            <a:r>
+              <a:rPr lang="es-419" sz="2400" noProof="0" dirty="0" smtClean="0"/>
+              <a:t>!</a:t>
             </a:r>
           </a:p>
           <a:p>
             <a:pPr lvl="1"/>
-            <a:endParaRPr lang="en-US" sz="2400" dirty="0"/>
+            <a:r>
+              <a:rPr lang="es-419" sz="2400" dirty="0" smtClean="0"/>
+              <a:t>Can </a:t>
+            </a:r>
+            <a:r>
+              <a:rPr lang="es-419" sz="2400" dirty="0" err="1" smtClean="0"/>
+              <a:t>easily</a:t>
+            </a:r>
+            <a:r>
+              <a:rPr lang="es-419" sz="2400" dirty="0" smtClean="0"/>
+              <a:t> use </a:t>
+            </a:r>
+            <a:r>
+              <a:rPr lang="es-419" sz="2400" dirty="0" err="1" smtClean="0"/>
+              <a:t>Bayesian</a:t>
+            </a:r>
+            <a:r>
+              <a:rPr lang="es-419" sz="2400" dirty="0" smtClean="0"/>
+              <a:t> </a:t>
+            </a:r>
+            <a:r>
+              <a:rPr lang="es-419" sz="2400" dirty="0" err="1" smtClean="0"/>
+              <a:t>inference</a:t>
+            </a:r>
+            <a:r>
+              <a:rPr lang="es-419" sz="2400" dirty="0" smtClean="0"/>
+              <a:t> </a:t>
+            </a:r>
+            <a:r>
+              <a:rPr lang="es-419" sz="2400" dirty="0" err="1" smtClean="0"/>
+              <a:t>via</a:t>
+            </a:r>
+            <a:r>
+              <a:rPr lang="es-419" sz="2400" dirty="0" smtClean="0"/>
+              <a:t> MCMC </a:t>
+            </a:r>
+            <a:r>
+              <a:rPr lang="es-419" sz="2400" dirty="0" err="1" smtClean="0"/>
+              <a:t>package</a:t>
+            </a:r>
+            <a:r>
+              <a:rPr lang="es-419" sz="2400" dirty="0" smtClean="0"/>
+              <a:t> ‘</a:t>
+            </a:r>
+            <a:r>
+              <a:rPr lang="es-419" sz="2400" dirty="0" err="1" smtClean="0"/>
+              <a:t>tmbstan</a:t>
+            </a:r>
+            <a:r>
+              <a:rPr lang="es-419" sz="2400" dirty="0" smtClean="0"/>
+              <a:t>’</a:t>
+            </a:r>
+          </a:p>
+          <a:p>
+            <a:pPr lvl="1"/>
+            <a:r>
+              <a:rPr lang="es-419" sz="2400" noProof="0" dirty="0" err="1" smtClean="0"/>
+              <a:t>Excellent</a:t>
+            </a:r>
+            <a:r>
+              <a:rPr lang="es-419" sz="2400" noProof="0" dirty="0" smtClean="0"/>
+              <a:t> </a:t>
+            </a:r>
+            <a:r>
+              <a:rPr lang="es-419" sz="2400" noProof="0" dirty="0" err="1" smtClean="0"/>
+              <a:t>option</a:t>
+            </a:r>
+            <a:r>
+              <a:rPr lang="es-419" sz="2400" noProof="0" dirty="0" smtClean="0"/>
+              <a:t> </a:t>
+            </a:r>
+            <a:r>
+              <a:rPr lang="es-419" sz="2400" noProof="0" dirty="0" err="1" smtClean="0"/>
+              <a:t>for</a:t>
+            </a:r>
+            <a:r>
+              <a:rPr lang="es-419" sz="2400" noProof="0" dirty="0" smtClean="0"/>
+              <a:t> </a:t>
+            </a:r>
+            <a:r>
+              <a:rPr lang="es-419" sz="2400" noProof="0" dirty="0" err="1" smtClean="0"/>
+              <a:t>spatial</a:t>
+            </a:r>
+            <a:r>
+              <a:rPr lang="es-419" sz="2400" dirty="0"/>
+              <a:t> </a:t>
+            </a:r>
+            <a:r>
+              <a:rPr lang="es-419" sz="2400" dirty="0" smtClean="0"/>
+              <a:t>and </a:t>
+            </a:r>
+            <a:r>
+              <a:rPr lang="es-419" sz="2400" dirty="0" err="1" smtClean="0"/>
+              <a:t>spatiotemporal</a:t>
+            </a:r>
+            <a:r>
+              <a:rPr lang="es-419" sz="2400" dirty="0" smtClean="0"/>
+              <a:t> </a:t>
+            </a:r>
+            <a:r>
+              <a:rPr lang="es-419" sz="2400" dirty="0" err="1" smtClean="0"/>
+              <a:t>models</a:t>
+            </a:r>
+            <a:endParaRPr lang="es-419" sz="2400" noProof="0" dirty="0" smtClean="0"/>
+          </a:p>
+          <a:p>
+            <a:pPr lvl="1"/>
+            <a:endParaRPr lang="es-419" sz="2400" noProof="0" dirty="0"/>
           </a:p>
         </p:txBody>
       </p:sp>
@@ -9444,13 +10229,7 @@
       </p:grpSpPr>
       <p:sp>
         <p:nvSpPr>
-          <p:cNvPr id="2" name="Title 1">
-            <a:extLst>
-              <a:ext uri="{FF2B5EF4-FFF2-40B4-BE49-F238E27FC236}">
-                <a16:creationId xmlns:a16="http://schemas.microsoft.com/office/drawing/2014/main" id="{E622C5D6-127E-4E13-A682-50C23F6FCCA3}"/>
-              </a:ext>
-            </a:extLst>
-          </p:cNvPr>
+          <p:cNvPr id="2" name="Title 1"/>
           <p:cNvSpPr>
             <a:spLocks noGrp="1"/>
           </p:cNvSpPr>
@@ -9464,34 +10243,32 @@
           <a:lstStyle/>
           <a:p>
             <a:r>
-              <a:rPr lang="en-US" dirty="0"/>
-              <a:t>HM por </a:t>
-            </a:r>
-            <a:r>
-              <a:rPr lang="en-US" dirty="0" err="1"/>
-              <a:t>Royle</a:t>
-            </a:r>
-            <a:r>
-              <a:rPr lang="en-US" dirty="0"/>
-              <a:t> &amp; </a:t>
-            </a:r>
-            <a:r>
-              <a:rPr lang="en-US" dirty="0" err="1"/>
-              <a:t>Dorazio</a:t>
-            </a:r>
-            <a:endParaRPr lang="en-US" dirty="0"/>
-          </a:p>
-        </p:txBody>
-      </p:sp>
-      <p:sp>
-        <p:nvSpPr>
-          <p:cNvPr id="3" name="Content Placeholder 2">
-            <a:extLst>
-              <a:ext uri="{FF2B5EF4-FFF2-40B4-BE49-F238E27FC236}">
-                <a16:creationId xmlns:a16="http://schemas.microsoft.com/office/drawing/2014/main" id="{6C383712-B948-4BB6-80DA-20C80E766461}"/>
-              </a:ext>
-            </a:extLst>
-          </p:cNvPr>
+              <a:rPr lang="es-419" noProof="0" dirty="0" smtClean="0"/>
+              <a:t>Big </a:t>
+            </a:r>
+            <a:r>
+              <a:rPr lang="es-419" noProof="0" dirty="0" err="1" smtClean="0"/>
+              <a:t>picture</a:t>
+            </a:r>
+            <a:r>
+              <a:rPr lang="es-419" noProof="0" dirty="0" smtClean="0"/>
+              <a:t> </a:t>
+            </a:r>
+            <a:r>
+              <a:rPr lang="es-419" noProof="0" dirty="0" err="1" smtClean="0"/>
+              <a:t>review</a:t>
+            </a:r>
+            <a:r>
+              <a:rPr lang="es-419" noProof="0" dirty="0" smtClean="0"/>
+              <a:t>: TMB</a:t>
+            </a:r>
+            <a:endParaRPr lang="es-419" noProof="0" dirty="0"/>
+          </a:p>
+        </p:txBody>
+      </p:sp>
+      <p:sp>
+        <p:nvSpPr>
+          <p:cNvPr id="3" name="Content Placeholder 2"/>
           <p:cNvSpPr>
             <a:spLocks noGrp="1"/>
           </p:cNvSpPr>
@@ -9501,468 +10278,285 @@
         </p:nvSpPr>
         <p:spPr>
           <a:xfrm>
-            <a:off x="471333" y="954584"/>
-            <a:ext cx="8515350" cy="3364442"/>
+            <a:off x="457200" y="1081131"/>
+            <a:ext cx="8229600" cy="5135111"/>
           </a:xfrm>
         </p:spPr>
         <p:txBody>
-          <a:bodyPr/>
-          <a:lstStyle/>
-          <a:p>
-            <a:r>
-              <a:rPr lang="en-US" dirty="0"/>
-              <a:t>Los </a:t>
-            </a:r>
-            <a:r>
-              <a:rPr lang="en-US" dirty="0" err="1"/>
-              <a:t>modelos</a:t>
-            </a:r>
-            <a:r>
-              <a:rPr lang="en-US" dirty="0"/>
-              <a:t> </a:t>
-            </a:r>
-            <a:r>
-              <a:rPr lang="en-US" dirty="0" err="1"/>
-              <a:t>estadísticos</a:t>
-            </a:r>
-            <a:r>
-              <a:rPr lang="en-US" dirty="0"/>
-              <a:t> son </a:t>
-            </a:r>
-            <a:r>
-              <a:rPr lang="en-US" dirty="0" err="1"/>
-              <a:t>ampliamente</a:t>
-            </a:r>
-            <a:r>
-              <a:rPr lang="en-US" dirty="0"/>
-              <a:t> </a:t>
-            </a:r>
-            <a:r>
-              <a:rPr lang="en-US" dirty="0" err="1"/>
-              <a:t>utilizados</a:t>
-            </a:r>
-            <a:r>
-              <a:rPr lang="en-US" dirty="0"/>
-              <a:t> </a:t>
-            </a:r>
-            <a:r>
-              <a:rPr lang="en-US" dirty="0" err="1"/>
-              <a:t>en</a:t>
-            </a:r>
-            <a:r>
-              <a:rPr lang="en-US" dirty="0"/>
-              <a:t> </a:t>
-            </a:r>
-            <a:r>
-              <a:rPr lang="en-US" dirty="0" err="1"/>
-              <a:t>ecología</a:t>
-            </a:r>
-            <a:endParaRPr lang="en-US" dirty="0"/>
-          </a:p>
-          <a:p>
-            <a:r>
-              <a:rPr lang="en-US" dirty="0"/>
-              <a:t>Una “</a:t>
-            </a:r>
-            <a:r>
-              <a:rPr lang="en-US" dirty="0" err="1"/>
-              <a:t>aproximación</a:t>
-            </a:r>
-            <a:r>
-              <a:rPr lang="en-US" dirty="0"/>
-              <a:t> conceptual y </a:t>
-            </a:r>
-            <a:r>
-              <a:rPr lang="en-US" dirty="0" err="1"/>
-              <a:t>filosófica</a:t>
-            </a:r>
-            <a:r>
-              <a:rPr lang="en-US" dirty="0"/>
-              <a:t> para </a:t>
-            </a:r>
-            <a:r>
-              <a:rPr lang="en-US" dirty="0" err="1"/>
-              <a:t>hacer</a:t>
-            </a:r>
-            <a:r>
-              <a:rPr lang="en-US" dirty="0"/>
-              <a:t> </a:t>
-            </a:r>
-            <a:r>
-              <a:rPr lang="en-US" dirty="0" err="1"/>
-              <a:t>ciencia</a:t>
-            </a:r>
-            <a:r>
-              <a:rPr lang="en-US" dirty="0"/>
-              <a:t>” con </a:t>
-            </a:r>
-            <a:r>
-              <a:rPr lang="en-US" dirty="0" err="1"/>
-              <a:t>modelos</a:t>
-            </a:r>
-            <a:r>
-              <a:rPr lang="en-US" dirty="0"/>
-              <a:t> </a:t>
-            </a:r>
-            <a:r>
-              <a:rPr lang="en-US" dirty="0" err="1"/>
-              <a:t>distintivos</a:t>
-            </a:r>
-            <a:r>
-              <a:rPr lang="en-US" dirty="0"/>
-              <a:t>:</a:t>
-            </a:r>
-          </a:p>
-          <a:p>
-            <a:pPr lvl="1"/>
-            <a:r>
-              <a:rPr lang="en-US" i="1" dirty="0" err="1"/>
-              <a:t>Observación</a:t>
-            </a:r>
-            <a:r>
-              <a:rPr lang="en-US" i="1" dirty="0"/>
-              <a:t>: Como son </a:t>
-            </a:r>
-            <a:r>
-              <a:rPr lang="en-US" i="1" dirty="0" err="1"/>
-              <a:t>observados</a:t>
-            </a:r>
-            <a:r>
-              <a:rPr lang="en-US" i="1" dirty="0"/>
-              <a:t> los </a:t>
-            </a:r>
-            <a:r>
-              <a:rPr lang="en-US" i="1" dirty="0" err="1"/>
-              <a:t>datos</a:t>
-            </a:r>
-            <a:r>
-              <a:rPr lang="en-US" i="1" dirty="0"/>
-              <a:t> </a:t>
-            </a:r>
-            <a:r>
-              <a:rPr lang="en-US" dirty="0"/>
-              <a:t>(con error), dado </a:t>
-            </a:r>
-            <a:r>
-              <a:rPr lang="en-US" dirty="0" err="1"/>
-              <a:t>el</a:t>
-            </a:r>
-            <a:r>
-              <a:rPr lang="en-US" dirty="0"/>
-              <a:t> </a:t>
-            </a:r>
-            <a:r>
-              <a:rPr lang="en-US" dirty="0" err="1"/>
-              <a:t>proceso</a:t>
-            </a:r>
-            <a:r>
-              <a:rPr lang="en-US" i="1" dirty="0"/>
-              <a:t>.</a:t>
-            </a:r>
-          </a:p>
-          <a:p>
-            <a:pPr lvl="1"/>
-            <a:r>
-              <a:rPr lang="en-US" i="1" dirty="0" err="1"/>
-              <a:t>Proceso</a:t>
-            </a:r>
-            <a:r>
-              <a:rPr lang="en-US" i="1" dirty="0"/>
-              <a:t>:</a:t>
-            </a:r>
-            <a:r>
-              <a:rPr lang="en-US" dirty="0"/>
-              <a:t> Describe la </a:t>
-            </a:r>
-            <a:r>
-              <a:rPr lang="en-US" dirty="0" err="1"/>
-              <a:t>dinámica</a:t>
-            </a:r>
-            <a:r>
-              <a:rPr lang="en-US" dirty="0"/>
-              <a:t> de los </a:t>
-            </a:r>
-            <a:r>
-              <a:rPr lang="en-US" dirty="0" err="1"/>
-              <a:t>procesos</a:t>
-            </a:r>
-            <a:r>
-              <a:rPr lang="en-US" dirty="0"/>
-              <a:t> </a:t>
-            </a:r>
-            <a:r>
-              <a:rPr lang="en-US" dirty="0" err="1"/>
-              <a:t>ecológicos</a:t>
-            </a:r>
-            <a:r>
-              <a:rPr lang="en-US" dirty="0"/>
-              <a:t> (e.g. </a:t>
-            </a:r>
-            <a:r>
-              <a:rPr lang="en-US" dirty="0" err="1"/>
-              <a:t>abundancia</a:t>
-            </a:r>
-            <a:r>
-              <a:rPr lang="en-US" dirty="0"/>
-              <a:t> animal </a:t>
-            </a:r>
-            <a:r>
-              <a:rPr lang="en-US" dirty="0" err="1"/>
-              <a:t>en</a:t>
-            </a:r>
-            <a:r>
-              <a:rPr lang="en-US" dirty="0"/>
-              <a:t> </a:t>
-            </a:r>
-            <a:r>
-              <a:rPr lang="en-US" dirty="0" err="1"/>
-              <a:t>espacio</a:t>
-            </a:r>
-            <a:r>
-              <a:rPr lang="en-US" dirty="0"/>
-              <a:t>/</a:t>
-            </a:r>
-            <a:r>
-              <a:rPr lang="en-US" dirty="0" err="1"/>
-              <a:t>tiempo</a:t>
-            </a:r>
-            <a:r>
-              <a:rPr lang="en-US" dirty="0"/>
-              <a:t>)</a:t>
-            </a:r>
-          </a:p>
-        </p:txBody>
-      </p:sp>
-      <p:sp>
-        <p:nvSpPr>
-          <p:cNvPr id="4" name="TextBox 3">
-            <a:extLst>
-              <a:ext uri="{FF2B5EF4-FFF2-40B4-BE49-F238E27FC236}">
-                <a16:creationId xmlns:a16="http://schemas.microsoft.com/office/drawing/2014/main" id="{91B8C2B7-D83A-4DE3-8D72-2F8B77908725}"/>
-              </a:ext>
-            </a:extLst>
-          </p:cNvPr>
-          <p:cNvSpPr txBox="1"/>
-          <p:nvPr/>
-        </p:nvSpPr>
-        <p:spPr>
-          <a:xfrm>
-            <a:off x="6185648" y="6495301"/>
-            <a:ext cx="2689411" cy="369332"/>
-          </a:xfrm>
-          <a:prstGeom prst="rect">
-            <a:avLst/>
-          </a:prstGeom>
-          <a:noFill/>
-        </p:spPr>
-        <p:txBody>
-          <a:bodyPr wrap="square" rtlCol="0">
-            <a:spAutoFit/>
+          <a:bodyPr>
+            <a:noAutofit/>
           </a:bodyPr>
           <a:lstStyle/>
           <a:p>
-            <a:pPr algn="r"/>
-            <a:r>
-              <a:rPr lang="en-US" dirty="0" err="1"/>
-              <a:t>Royle</a:t>
-            </a:r>
-            <a:r>
-              <a:rPr lang="en-US" dirty="0"/>
-              <a:t> and </a:t>
-            </a:r>
-            <a:r>
-              <a:rPr lang="en-US" dirty="0" err="1"/>
-              <a:t>Dorazio</a:t>
-            </a:r>
-            <a:r>
-              <a:rPr lang="en-US" dirty="0"/>
-              <a:t> 2008</a:t>
-            </a:r>
-          </a:p>
-        </p:txBody>
-      </p:sp>
-      <p:sp>
-        <p:nvSpPr>
-          <p:cNvPr id="5" name="TextBox 4">
-            <a:extLst>
-              <a:ext uri="{FF2B5EF4-FFF2-40B4-BE49-F238E27FC236}">
-                <a16:creationId xmlns:a16="http://schemas.microsoft.com/office/drawing/2014/main" id="{E2E80CC1-A3B1-41D5-974D-84E31E682088}"/>
-              </a:ext>
-            </a:extLst>
-          </p:cNvPr>
-          <p:cNvSpPr txBox="1"/>
-          <p:nvPr/>
-        </p:nvSpPr>
-        <p:spPr>
-          <a:xfrm>
-            <a:off x="490070" y="5109076"/>
-            <a:ext cx="8163859" cy="461665"/>
-          </a:xfrm>
-          <a:prstGeom prst="rect">
-            <a:avLst/>
-          </a:prstGeom>
-          <a:noFill/>
-        </p:spPr>
-        <p:txBody>
-          <a:bodyPr wrap="square" rtlCol="0">
-            <a:spAutoFit/>
-          </a:bodyPr>
-          <a:lstStyle/>
-          <a:p>
-            <a:r>
-              <a:rPr lang="en-US" sz="2400" dirty="0"/>
-              <a:t>P(</a:t>
-            </a:r>
-            <a:r>
-              <a:rPr lang="en-US" sz="2400" dirty="0" err="1"/>
-              <a:t>datos|procesos</a:t>
-            </a:r>
-            <a:r>
-              <a:rPr lang="en-US" sz="2400" dirty="0"/>
+            <a:r>
+              <a:rPr lang="es-419" sz="2800" noProof="0" dirty="0" err="1" smtClean="0"/>
+              <a:t>Advice</a:t>
+            </a:r>
+            <a:r>
+              <a:rPr lang="es-419" sz="2800" noProof="0" dirty="0" smtClean="0"/>
+              <a:t>: </a:t>
+            </a:r>
+            <a:endParaRPr lang="es-419" sz="2800" noProof="0" dirty="0" smtClean="0"/>
+          </a:p>
+          <a:p>
+            <a:pPr lvl="1"/>
+            <a:r>
+              <a:rPr lang="es-419" sz="2400" noProof="0" dirty="0" smtClean="0"/>
+              <a:t>Use </a:t>
+            </a:r>
+            <a:r>
+              <a:rPr lang="es-419" sz="2400" noProof="0" dirty="0" err="1" smtClean="0"/>
+              <a:t>glmmTMB</a:t>
+            </a:r>
+            <a:r>
+              <a:rPr lang="es-419" sz="2400" noProof="0" dirty="0" smtClean="0"/>
+              <a:t> </a:t>
+            </a:r>
+            <a:r>
+              <a:rPr lang="es-419" sz="2400" noProof="0" dirty="0" err="1" smtClean="0"/>
+              <a:t>for</a:t>
+            </a:r>
+            <a:r>
+              <a:rPr lang="es-419" sz="2400" noProof="0" dirty="0" smtClean="0"/>
+              <a:t> </a:t>
+            </a:r>
+            <a:r>
+              <a:rPr lang="es-419" sz="2400" noProof="0" dirty="0" err="1" smtClean="0"/>
+              <a:t>regressions</a:t>
+            </a:r>
+            <a:r>
+              <a:rPr lang="es-419" sz="2400" noProof="0" dirty="0" smtClean="0"/>
+              <a:t> to </a:t>
+            </a:r>
+            <a:r>
+              <a:rPr lang="es-419" sz="2400" noProof="0" dirty="0" err="1" smtClean="0"/>
+              <a:t>start</a:t>
+            </a:r>
+            <a:endParaRPr lang="es-419" sz="2400" noProof="0" dirty="0" smtClean="0"/>
+          </a:p>
+          <a:p>
+            <a:pPr lvl="1"/>
+            <a:r>
+              <a:rPr lang="es-419" sz="2400" noProof="0" dirty="0" err="1" smtClean="0"/>
+              <a:t>sdmTMB</a:t>
+            </a:r>
+            <a:r>
+              <a:rPr lang="es-419" sz="2400" noProof="0" dirty="0" smtClean="0"/>
+              <a:t> </a:t>
+            </a:r>
+            <a:r>
+              <a:rPr lang="es-419" sz="2400" noProof="0" dirty="0" err="1" smtClean="0"/>
+              <a:t>for</a:t>
+            </a:r>
+            <a:r>
+              <a:rPr lang="es-419" sz="2400" noProof="0" dirty="0" smtClean="0"/>
+              <a:t> </a:t>
+            </a:r>
+            <a:r>
+              <a:rPr lang="es-419" sz="2400" noProof="0" dirty="0" err="1" smtClean="0"/>
+              <a:t>spatial</a:t>
+            </a:r>
+            <a:r>
+              <a:rPr lang="es-419" sz="2400" noProof="0" dirty="0" smtClean="0"/>
+              <a:t> </a:t>
+            </a:r>
+            <a:r>
+              <a:rPr lang="es-419" sz="2400" noProof="0" dirty="0" err="1" smtClean="0"/>
+              <a:t>models</a:t>
+            </a:r>
+            <a:r>
+              <a:rPr lang="es-419" sz="2400" noProof="0" dirty="0" smtClean="0"/>
+              <a:t> to </a:t>
+            </a:r>
+            <a:r>
+              <a:rPr lang="es-419" sz="2400" noProof="0" dirty="0" err="1" smtClean="0"/>
+              <a:t>start</a:t>
+            </a:r>
+            <a:endParaRPr lang="es-419" sz="2400" noProof="0" dirty="0" smtClean="0"/>
+          </a:p>
+          <a:p>
+            <a:r>
+              <a:rPr lang="es-419" sz="2800" b="1" noProof="0" dirty="0" err="1" smtClean="0"/>
+              <a:t>Even</a:t>
+            </a:r>
+            <a:r>
+              <a:rPr lang="es-419" sz="2800" b="1" noProof="0" dirty="0" smtClean="0"/>
+              <a:t> </a:t>
+            </a:r>
+            <a:r>
+              <a:rPr lang="es-419" sz="2800" b="1" noProof="0" dirty="0" err="1" smtClean="0"/>
+              <a:t>if</a:t>
+            </a:r>
+            <a:r>
+              <a:rPr lang="es-419" sz="2800" b="1" noProof="0" dirty="0" smtClean="0"/>
+              <a:t> </a:t>
+            </a:r>
+            <a:r>
+              <a:rPr lang="es-419" sz="2800" b="1" noProof="0" dirty="0" err="1" smtClean="0"/>
+              <a:t>you</a:t>
+            </a:r>
+            <a:r>
+              <a:rPr lang="es-419" sz="2800" b="1" noProof="0" dirty="0" smtClean="0"/>
+              <a:t> use </a:t>
+            </a:r>
+            <a:r>
+              <a:rPr lang="es-419" sz="2800" b="1" noProof="0" dirty="0" err="1" smtClean="0"/>
+              <a:t>these</a:t>
+            </a:r>
+            <a:r>
+              <a:rPr lang="es-419" sz="2800" b="1" noProof="0" dirty="0" smtClean="0"/>
+              <a:t> </a:t>
+            </a:r>
+            <a:r>
+              <a:rPr lang="es-419" sz="2800" b="1" noProof="0" dirty="0" err="1" smtClean="0"/>
+              <a:t>package</a:t>
+            </a:r>
+            <a:r>
+              <a:rPr lang="es-419" sz="2800" b="1" noProof="0" dirty="0" smtClean="0"/>
+              <a:t> </a:t>
+            </a:r>
+            <a:r>
+              <a:rPr lang="es-419" sz="2800" b="1" noProof="0" dirty="0" err="1" smtClean="0"/>
+              <a:t>you</a:t>
+            </a:r>
+            <a:r>
+              <a:rPr lang="es-419" sz="2800" b="1" noProof="0" dirty="0" smtClean="0"/>
+              <a:t> </a:t>
+            </a:r>
+            <a:r>
+              <a:rPr lang="es-419" sz="2800" b="1" noProof="0" dirty="0" err="1" smtClean="0"/>
+              <a:t>will</a:t>
+            </a:r>
+            <a:r>
+              <a:rPr lang="es-419" sz="2800" b="1" noProof="0" dirty="0" smtClean="0"/>
+              <a:t> </a:t>
+            </a:r>
+            <a:r>
+              <a:rPr lang="es-419" sz="2800" b="1" noProof="0" dirty="0" err="1" smtClean="0"/>
+              <a:t>now</a:t>
+            </a:r>
+            <a:r>
+              <a:rPr lang="es-419" sz="2800" b="1" noProof="0" dirty="0" smtClean="0"/>
+              <a:t> </a:t>
+            </a:r>
+            <a:r>
+              <a:rPr lang="es-419" sz="2800" b="1" noProof="0" dirty="0" err="1" smtClean="0"/>
+              <a:t>better</a:t>
+            </a:r>
+            <a:r>
+              <a:rPr lang="es-419" sz="2800" b="1" noProof="0" dirty="0" smtClean="0"/>
+              <a:t> </a:t>
+            </a:r>
+            <a:r>
+              <a:rPr lang="es-419" sz="2800" b="1" noProof="0" dirty="0" err="1" smtClean="0"/>
+              <a:t>understand</a:t>
+            </a:r>
+            <a:r>
+              <a:rPr lang="es-419" sz="2800" b="1" noProof="0" dirty="0" smtClean="0"/>
+              <a:t> </a:t>
+            </a:r>
+            <a:r>
+              <a:rPr lang="es-419" sz="2800" b="1" noProof="0" dirty="0" err="1" smtClean="0"/>
+              <a:t>how</a:t>
+            </a:r>
+            <a:r>
+              <a:rPr lang="es-419" sz="2800" b="1" noProof="0" dirty="0" smtClean="0"/>
+              <a:t> </a:t>
+            </a:r>
+            <a:r>
+              <a:rPr lang="es-419" sz="2800" b="1" noProof="0" dirty="0" err="1" smtClean="0"/>
+              <a:t>it</a:t>
+            </a:r>
+            <a:r>
+              <a:rPr lang="es-419" sz="2800" b="1" noProof="0" dirty="0" smtClean="0"/>
+              <a:t> </a:t>
+            </a:r>
+            <a:r>
+              <a:rPr lang="es-419" sz="2800" b="1" noProof="0" dirty="0" err="1" smtClean="0"/>
+              <a:t>works</a:t>
+            </a:r>
+            <a:endParaRPr lang="es-419" sz="2800" b="1" noProof="0" dirty="0" smtClean="0"/>
+          </a:p>
+          <a:p>
+            <a:r>
+              <a:rPr lang="es-419" sz="2800" noProof="0" dirty="0" err="1" smtClean="0"/>
+              <a:t>It</a:t>
+            </a:r>
+            <a:r>
+              <a:rPr lang="es-419" sz="2800" noProof="0" dirty="0" smtClean="0"/>
+              <a:t> </a:t>
+            </a:r>
+            <a:r>
+              <a:rPr lang="es-419" sz="2800" noProof="0" dirty="0" err="1" smtClean="0"/>
+              <a:t>takes</a:t>
+            </a:r>
+            <a:r>
+              <a:rPr lang="es-419" sz="2800" noProof="0" dirty="0" smtClean="0"/>
+              <a:t> </a:t>
+            </a:r>
+            <a:r>
+              <a:rPr lang="es-419" sz="2800" noProof="0" dirty="0" err="1" smtClean="0"/>
+              <a:t>years</a:t>
+            </a:r>
+            <a:r>
+              <a:rPr lang="es-419" sz="2800" noProof="0" dirty="0" smtClean="0"/>
+              <a:t> to </a:t>
+            </a:r>
+            <a:r>
+              <a:rPr lang="es-419" sz="2800" noProof="0" dirty="0" err="1" smtClean="0"/>
+              <a:t>build</a:t>
+            </a:r>
+            <a:r>
+              <a:rPr lang="es-419" sz="2800" noProof="0" dirty="0" smtClean="0"/>
+              <a:t> </a:t>
+            </a:r>
+            <a:r>
+              <a:rPr lang="es-419" sz="2800" noProof="0" dirty="0" err="1" smtClean="0"/>
+              <a:t>complex</a:t>
+            </a:r>
+            <a:r>
+              <a:rPr lang="es-419" sz="2800" noProof="0" dirty="0" smtClean="0"/>
+              <a:t> </a:t>
+            </a:r>
+            <a:r>
+              <a:rPr lang="es-419" sz="2800" noProof="0" dirty="0" err="1" smtClean="0"/>
+              <a:t>models</a:t>
+            </a:r>
+            <a:r>
+              <a:rPr lang="es-419" sz="2800" noProof="0" dirty="0" smtClean="0"/>
+              <a:t> (</a:t>
+            </a:r>
+            <a:r>
+              <a:rPr lang="es-419" sz="2800" noProof="0" dirty="0" smtClean="0">
+                <a:hlinkClick r:id="rId2"/>
+              </a:rPr>
+              <a:t>VAST</a:t>
+            </a:r>
+            <a:r>
+              <a:rPr lang="es-419" sz="2800" noProof="0" dirty="0" smtClean="0"/>
               <a:t>, </a:t>
             </a:r>
             <a:r>
-              <a:rPr lang="en-US" sz="2400" dirty="0" err="1"/>
-              <a:t>parámetros</a:t>
-            </a:r>
-            <a:r>
-              <a:rPr lang="en-US" sz="2400" dirty="0"/>
-              <a:t>)*P(</a:t>
-            </a:r>
-            <a:r>
-              <a:rPr lang="en-US" sz="2400" dirty="0" err="1"/>
-              <a:t>procesos|parámetros</a:t>
-            </a:r>
-            <a:r>
-              <a:rPr lang="en-US" sz="2400" dirty="0"/>
+              <a:rPr lang="es-419" sz="2800" noProof="0" dirty="0" smtClean="0">
+                <a:hlinkClick r:id="rId3"/>
+              </a:rPr>
+              <a:t>WHAM</a:t>
+            </a:r>
+            <a:r>
+              <a:rPr lang="es-419" sz="2800" noProof="0" dirty="0" smtClean="0"/>
               <a:t>)</a:t>
             </a:r>
           </a:p>
-        </p:txBody>
-      </p:sp>
-      <p:sp>
-        <p:nvSpPr>
-          <p:cNvPr id="6" name="TextBox 5">
-            <a:extLst>
-              <a:ext uri="{FF2B5EF4-FFF2-40B4-BE49-F238E27FC236}">
-                <a16:creationId xmlns:a16="http://schemas.microsoft.com/office/drawing/2014/main" id="{B12D25C0-03D8-409E-917F-DE6130EAECAC}"/>
-              </a:ext>
-            </a:extLst>
-          </p:cNvPr>
-          <p:cNvSpPr txBox="1"/>
-          <p:nvPr/>
-        </p:nvSpPr>
-        <p:spPr>
-          <a:xfrm>
-            <a:off x="1346199" y="5601335"/>
-            <a:ext cx="2429387" cy="461665"/>
-          </a:xfrm>
-          <a:prstGeom prst="rect">
-            <a:avLst/>
-          </a:prstGeom>
-          <a:noFill/>
-        </p:spPr>
-        <p:txBody>
-          <a:bodyPr wrap="square" rtlCol="0">
-            <a:spAutoFit/>
-          </a:bodyPr>
-          <a:lstStyle/>
-          <a:p>
-            <a:pPr algn="ctr"/>
-            <a:r>
-              <a:rPr lang="en-US" sz="2400" b="1" dirty="0" err="1">
-                <a:solidFill>
-                  <a:srgbClr val="FF0000"/>
-                </a:solidFill>
-              </a:rPr>
-              <a:t>observaciones</a:t>
-            </a:r>
-            <a:endParaRPr lang="en-US" sz="2400" b="1" dirty="0">
-              <a:solidFill>
-                <a:srgbClr val="FF0000"/>
-              </a:solidFill>
-            </a:endParaRPr>
-          </a:p>
-        </p:txBody>
-      </p:sp>
-      <p:sp>
-        <p:nvSpPr>
-          <p:cNvPr id="7" name="TextBox 6">
-            <a:extLst>
-              <a:ext uri="{FF2B5EF4-FFF2-40B4-BE49-F238E27FC236}">
-                <a16:creationId xmlns:a16="http://schemas.microsoft.com/office/drawing/2014/main" id="{8793595C-EFFB-4B8A-9747-79DE331D32E6}"/>
-              </a:ext>
-            </a:extLst>
-          </p:cNvPr>
-          <p:cNvSpPr txBox="1"/>
-          <p:nvPr/>
-        </p:nvSpPr>
-        <p:spPr>
-          <a:xfrm>
-            <a:off x="5213951" y="5586078"/>
-            <a:ext cx="2159000" cy="461665"/>
-          </a:xfrm>
-          <a:prstGeom prst="rect">
-            <a:avLst/>
-          </a:prstGeom>
-          <a:noFill/>
-        </p:spPr>
-        <p:txBody>
-          <a:bodyPr wrap="square" rtlCol="0">
-            <a:spAutoFit/>
-          </a:bodyPr>
-          <a:lstStyle/>
-          <a:p>
-            <a:pPr algn="ctr"/>
-            <a:r>
-              <a:rPr lang="en-US" sz="2400" b="1" dirty="0" err="1">
-                <a:solidFill>
-                  <a:srgbClr val="FF0000"/>
-                </a:solidFill>
-              </a:rPr>
-              <a:t>procesos</a:t>
-            </a:r>
-            <a:endParaRPr lang="en-US" sz="2400" b="1" dirty="0">
-              <a:solidFill>
-                <a:srgbClr val="FF0000"/>
-              </a:solidFill>
-            </a:endParaRPr>
-          </a:p>
-        </p:txBody>
-      </p:sp>
-      <p:sp>
-        <p:nvSpPr>
-          <p:cNvPr id="8" name="Slide Number Placeholder 7">
-            <a:extLst>
-              <a:ext uri="{FF2B5EF4-FFF2-40B4-BE49-F238E27FC236}">
-                <a16:creationId xmlns:a16="http://schemas.microsoft.com/office/drawing/2014/main" id="{36492438-0541-48B4-890B-64DD7DC28530}"/>
-              </a:ext>
-            </a:extLst>
-          </p:cNvPr>
-          <p:cNvSpPr>
-            <a:spLocks noGrp="1"/>
-          </p:cNvSpPr>
-          <p:nvPr>
-            <p:ph type="sldNum" sz="quarter" idx="12"/>
-          </p:nvPr>
-        </p:nvSpPr>
-        <p:spPr/>
-        <p:txBody>
-          <a:bodyPr/>
-          <a:lstStyle/>
-          <a:p>
-            <a:fld id="{A90099C9-4CB8-9A40-B745-9AB270505907}" type="slidenum">
-              <a:rPr lang="en-US" smtClean="0"/>
-              <a:t>4</a:t>
-            </a:fld>
-            <a:endParaRPr lang="en-US"/>
+          <a:p>
+            <a:pPr lvl="1"/>
+            <a:endParaRPr lang="es-419" sz="2400" noProof="0" dirty="0"/>
           </a:p>
         </p:txBody>
       </p:sp>
     </p:spTree>
     <p:extLst>
       <p:ext uri="{BB962C8B-B14F-4D97-AF65-F5344CB8AC3E}">
-        <p14:creationId xmlns:p14="http://schemas.microsoft.com/office/powerpoint/2010/main" val="60692015"/>
+        <p14:creationId xmlns:p14="http://schemas.microsoft.com/office/powerpoint/2010/main" val="2655944922"/>
       </p:ext>
     </p:extLst>
   </p:cSld>
@@ -9994,7 +10588,7 @@
           <p:cNvPr id="2" name="Title 1">
             <a:extLst>
               <a:ext uri="{FF2B5EF4-FFF2-40B4-BE49-F238E27FC236}">
-                <a16:creationId xmlns:a16="http://schemas.microsoft.com/office/drawing/2014/main" id="{8573B90D-AA81-4638-8F89-08E6B5562A77}"/>
+                <a16:creationId xmlns:a16="http://schemas.microsoft.com/office/drawing/2014/main" id="{5EB8122A-E5D5-40DB-9C80-BBCB3BBDECD7}"/>
               </a:ext>
             </a:extLst>
           </p:cNvPr>
@@ -10005,27 +10599,21 @@
             <p:ph type="title"/>
           </p:nvPr>
         </p:nvSpPr>
-        <p:spPr/>
+        <p:spPr>
+          <a:xfrm>
+            <a:off x="628650" y="365126"/>
+            <a:ext cx="7886700" cy="1325563"/>
+          </a:xfrm>
+        </p:spPr>
         <p:txBody>
           <a:bodyPr/>
           <a:lstStyle/>
           <a:p>
             <a:r>
-              <a:rPr lang="en-US" dirty="0" err="1"/>
-              <a:t>Revisión</a:t>
-            </a:r>
-            <a:r>
-              <a:rPr lang="en-US" dirty="0"/>
-              <a:t> de </a:t>
-            </a:r>
-            <a:r>
-              <a:rPr lang="en-US" dirty="0" err="1"/>
-              <a:t>conceptos</a:t>
-            </a:r>
-            <a:r>
-              <a:rPr lang="en-US" dirty="0"/>
-              <a:t> claves</a:t>
-            </a:r>
+              <a:rPr lang="es-419" noProof="0" dirty="0" smtClean="0"/>
+              <a:t>Revisión del flujo de trabajo en TMB</a:t>
+            </a:r>
+            <a:endParaRPr lang="es-419" noProof="0" dirty="0"/>
           </a:p>
         </p:txBody>
       </p:sp>
@@ -10034,7 +10622,7 @@
           <p:cNvPr id="3" name="Content Placeholder 2">
             <a:extLst>
               <a:ext uri="{FF2B5EF4-FFF2-40B4-BE49-F238E27FC236}">
-                <a16:creationId xmlns:a16="http://schemas.microsoft.com/office/drawing/2014/main" id="{70870FE1-A863-42A9-BBF2-B9155A37986A}"/>
+                <a16:creationId xmlns:a16="http://schemas.microsoft.com/office/drawing/2014/main" id="{547B9D8F-0982-4A94-B47A-F28857104C64}"/>
               </a:ext>
             </a:extLst>
           </p:cNvPr>
@@ -10047,301 +10635,111 @@
         </p:nvSpPr>
         <p:spPr>
           <a:xfrm>
-            <a:off x="457200" y="1053353"/>
-            <a:ext cx="8229600" cy="4530725"/>
+            <a:off x="376518" y="1160929"/>
+            <a:ext cx="8229600" cy="4895921"/>
           </a:xfrm>
         </p:spPr>
         <p:txBody>
           <a:bodyPr/>
           <a:lstStyle/>
           <a:p>
-            <a:r>
-              <a:rPr lang="en-US" dirty="0"/>
-              <a:t>Los </a:t>
-            </a:r>
-            <a:r>
-              <a:rPr lang="en-US" dirty="0" err="1"/>
-              <a:t>modelos</a:t>
-            </a:r>
-            <a:r>
-              <a:rPr lang="en-US" dirty="0"/>
-              <a:t> </a:t>
-            </a:r>
-            <a:r>
-              <a:rPr lang="en-US" dirty="0" err="1"/>
-              <a:t>jerárquicos</a:t>
-            </a:r>
-            <a:r>
-              <a:rPr lang="en-US" dirty="0"/>
-              <a:t> </a:t>
-            </a:r>
-            <a:r>
-              <a:rPr lang="en-US" dirty="0" err="1"/>
-              <a:t>contienen</a:t>
-            </a:r>
-            <a:r>
-              <a:rPr lang="en-US" dirty="0"/>
-              <a:t> </a:t>
-            </a:r>
-            <a:r>
-              <a:rPr lang="en-US" dirty="0" err="1"/>
-              <a:t>efectos</a:t>
-            </a:r>
-            <a:r>
-              <a:rPr lang="en-US" dirty="0"/>
-              <a:t> </a:t>
-            </a:r>
-            <a:r>
-              <a:rPr lang="en-US" dirty="0" err="1"/>
-              <a:t>aleatorios</a:t>
-            </a:r>
-            <a:endParaRPr lang="en-US" dirty="0"/>
-          </a:p>
-          <a:p>
-            <a:r>
-              <a:rPr lang="en-US" dirty="0" err="1"/>
-              <a:t>Ocurren</a:t>
-            </a:r>
-            <a:r>
-              <a:rPr lang="en-US" dirty="0"/>
-              <a:t> </a:t>
-            </a:r>
-            <a:r>
-              <a:rPr lang="en-US" dirty="0" err="1"/>
-              <a:t>amplia</a:t>
-            </a:r>
-            <a:r>
-              <a:rPr lang="en-US" dirty="0"/>
-              <a:t> y </a:t>
-            </a:r>
-            <a:r>
-              <a:rPr lang="en-US" dirty="0" err="1"/>
-              <a:t>naturalmente</a:t>
-            </a:r>
-            <a:r>
-              <a:rPr lang="en-US" dirty="0"/>
-              <a:t> </a:t>
-            </a:r>
-            <a:r>
-              <a:rPr lang="en-US" dirty="0" err="1"/>
-              <a:t>en</a:t>
-            </a:r>
-            <a:r>
-              <a:rPr lang="en-US" dirty="0"/>
-              <a:t> </a:t>
-            </a:r>
-            <a:r>
-              <a:rPr lang="en-US" dirty="0" err="1"/>
-              <a:t>ecología</a:t>
-            </a:r>
-            <a:endParaRPr lang="en-US" dirty="0"/>
-          </a:p>
-          <a:p>
-            <a:r>
-              <a:rPr lang="en-US" dirty="0"/>
-              <a:t>Es una forma </a:t>
-            </a:r>
-            <a:r>
-              <a:rPr lang="en-US" dirty="0" err="1"/>
-              <a:t>útil</a:t>
-            </a:r>
-            <a:r>
-              <a:rPr lang="en-US" dirty="0"/>
-              <a:t> de </a:t>
-            </a:r>
-            <a:r>
-              <a:rPr lang="en-US" dirty="0" err="1"/>
-              <a:t>modelar</a:t>
-            </a:r>
-            <a:r>
-              <a:rPr lang="en-US" dirty="0"/>
-              <a:t> </a:t>
-            </a:r>
-            <a:r>
-              <a:rPr lang="en-US" dirty="0" err="1"/>
-              <a:t>nuestros</a:t>
-            </a:r>
-            <a:r>
-              <a:rPr lang="en-US" dirty="0"/>
-              <a:t> </a:t>
-            </a:r>
-            <a:r>
-              <a:rPr lang="en-US" dirty="0" err="1"/>
-              <a:t>datos</a:t>
-            </a:r>
-            <a:endParaRPr lang="en-US" dirty="0"/>
-          </a:p>
-          <a:p>
-            <a:r>
-              <a:rPr lang="en-US" dirty="0" err="1"/>
-              <a:t>Requiere</a:t>
-            </a:r>
-            <a:r>
-              <a:rPr lang="en-US" dirty="0"/>
-              <a:t> de la </a:t>
-            </a:r>
-            <a:r>
-              <a:rPr lang="en-US" dirty="0" err="1"/>
-              <a:t>integración</a:t>
-            </a:r>
-            <a:r>
-              <a:rPr lang="en-US" dirty="0"/>
-              <a:t> de </a:t>
-            </a:r>
-            <a:r>
-              <a:rPr lang="en-US" dirty="0" err="1"/>
-              <a:t>efectos</a:t>
-            </a:r>
-            <a:r>
-              <a:rPr lang="en-US" dirty="0"/>
-              <a:t> </a:t>
-            </a:r>
-            <a:r>
-              <a:rPr lang="en-US" dirty="0" err="1" smtClean="0"/>
-              <a:t>aleatorios</a:t>
-            </a:r>
-            <a:r>
-              <a:rPr lang="en-US" dirty="0" smtClean="0"/>
-              <a:t> (que </a:t>
-            </a:r>
-            <a:r>
-              <a:rPr lang="en-US" dirty="0" err="1" smtClean="0"/>
-              <a:t>es</a:t>
-            </a:r>
-            <a:r>
-              <a:rPr lang="en-US" dirty="0" smtClean="0"/>
-              <a:t> </a:t>
-            </a:r>
-            <a:r>
-              <a:rPr lang="en-US" dirty="0" err="1" smtClean="0"/>
-              <a:t>muy</a:t>
-            </a:r>
-            <a:r>
-              <a:rPr lang="en-US" dirty="0" smtClean="0"/>
-              <a:t> </a:t>
-            </a:r>
-            <a:r>
-              <a:rPr lang="en-US" dirty="0" err="1" smtClean="0"/>
-              <a:t>dificil</a:t>
-            </a:r>
-            <a:r>
-              <a:rPr lang="en-US" dirty="0" smtClean="0"/>
+            <a:pPr marL="514350" indent="-514350">
+              <a:buFont typeface="+mj-lt"/>
+              <a:buAutoNum type="arabicPeriod"/>
+            </a:pPr>
+            <a:r>
+              <a:rPr lang="es-419" sz="2700" noProof="0" dirty="0" smtClean="0"/>
+              <a:t>Postular un modelo </a:t>
+            </a:r>
+            <a:r>
+              <a:rPr lang="es-419" sz="2700" noProof="0" dirty="0" smtClean="0"/>
+              <a:t>estadístico</a:t>
+            </a:r>
+            <a:br>
+              <a:rPr lang="es-419" sz="2700" noProof="0" dirty="0" smtClean="0"/>
+            </a:br>
+            <a:r>
+              <a:rPr lang="es-419" sz="2700" noProof="0" dirty="0" smtClean="0"/>
+              <a:t>(</a:t>
+            </a:r>
+            <a:r>
+              <a:rPr lang="es-419" sz="2700" noProof="0" dirty="0" err="1" smtClean="0"/>
+              <a:t>tip</a:t>
+            </a:r>
+            <a:r>
+              <a:rPr lang="es-419" sz="2700" dirty="0" smtClean="0"/>
+              <a:t>o de distribución, forma de jerarquía, valor esperado)  </a:t>
+            </a:r>
+          </a:p>
+          <a:p>
+            <a:pPr marL="514350" indent="-514350">
+              <a:buFont typeface="+mj-lt"/>
+              <a:buAutoNum type="arabicPeriod"/>
+            </a:pPr>
+            <a:r>
+              <a:rPr lang="es-419" sz="2700" noProof="0" dirty="0" smtClean="0"/>
+              <a:t>C++: Escriba el modelo </a:t>
+            </a:r>
+            <a:r>
+              <a:rPr lang="es-419" sz="2700" noProof="0" dirty="0" smtClean="0"/>
+              <a:t>para </a:t>
+            </a:r>
+            <a:r>
+              <a:rPr lang="es-419" sz="2700" noProof="0" dirty="0" smtClean="0"/>
+              <a:t>calcular el valor esperado y </a:t>
+            </a:r>
+            <a:r>
+              <a:rPr lang="es-419" sz="2700" noProof="0" dirty="0" smtClean="0"/>
+              <a:t>la </a:t>
+            </a:r>
+            <a:r>
+              <a:rPr lang="es-419" sz="2700" noProof="0" dirty="0" smtClean="0"/>
+              <a:t>NLL</a:t>
+            </a:r>
+            <a:endParaRPr lang="es-419" sz="2700" noProof="0" dirty="0" smtClean="0"/>
+          </a:p>
+          <a:p>
+            <a:pPr marL="514350" indent="-514350">
+              <a:buFont typeface="+mj-lt"/>
+              <a:buAutoNum type="arabicPeriod"/>
+            </a:pPr>
+            <a:r>
+              <a:rPr lang="es-419" sz="2700" noProof="0" dirty="0" smtClean="0"/>
+              <a:t>R: Compile, vincule, declare los parámetros “aleatorios”, </a:t>
+            </a:r>
+            <a:r>
+              <a:rPr lang="es-419" sz="2700" noProof="0" dirty="0" err="1" smtClean="0"/>
+              <a:t>adjuste</a:t>
+            </a:r>
+            <a:r>
+              <a:rPr lang="es-419" sz="2700" noProof="0" dirty="0" smtClean="0"/>
+              <a:t> con </a:t>
+            </a:r>
+            <a:r>
+              <a:rPr lang="es-419" sz="2700" noProof="0" dirty="0" smtClean="0"/>
+              <a:t>las funciones objetivo y de gradiente que entrega TMB</a:t>
+            </a:r>
+          </a:p>
+          <a:p>
+            <a:pPr marL="514350" indent="-514350">
+              <a:buFont typeface="+mj-lt"/>
+              <a:buAutoNum type="arabicPeriod"/>
+            </a:pPr>
+            <a:r>
+              <a:rPr lang="es-419" sz="2700" noProof="0" dirty="0" smtClean="0"/>
+              <a:t>Haga inferencia con máxima verosimilitud (MLE + incertidumbre</a:t>
+            </a:r>
+            <a:r>
+              <a:rPr lang="es-419" sz="2700" noProof="0" dirty="0" smtClean="0"/>
               <a:t>)</a:t>
             </a:r>
-            <a:endParaRPr lang="en-US" dirty="0"/>
-          </a:p>
-          <a:p>
-            <a:r>
-              <a:rPr lang="en-US" dirty="0"/>
-              <a:t>TMB </a:t>
-            </a:r>
-            <a:r>
-              <a:rPr lang="en-US" dirty="0" err="1"/>
-              <a:t>está</a:t>
-            </a:r>
-            <a:r>
-              <a:rPr lang="en-US" dirty="0"/>
-              <a:t> </a:t>
-            </a:r>
-            <a:r>
-              <a:rPr lang="en-US" dirty="0" err="1"/>
-              <a:t>integrado</a:t>
-            </a:r>
-            <a:r>
-              <a:rPr lang="en-US" dirty="0"/>
-              <a:t> con R, </a:t>
-            </a:r>
-            <a:r>
-              <a:rPr lang="en-US" dirty="0" err="1"/>
-              <a:t>pero</a:t>
-            </a:r>
-            <a:r>
-              <a:rPr lang="en-US" dirty="0"/>
-              <a:t> require de </a:t>
-            </a:r>
-            <a:r>
-              <a:rPr lang="en-US" dirty="0" err="1"/>
-              <a:t>codificar</a:t>
-            </a:r>
-            <a:r>
-              <a:rPr lang="en-US" dirty="0"/>
-              <a:t> un poco </a:t>
-            </a:r>
-            <a:r>
-              <a:rPr lang="en-US" dirty="0" err="1"/>
-              <a:t>en</a:t>
-            </a:r>
-            <a:r>
-              <a:rPr lang="en-US" dirty="0"/>
-              <a:t> C++</a:t>
-            </a:r>
-          </a:p>
-          <a:p>
-            <a:r>
-              <a:rPr lang="en-US" dirty="0"/>
-              <a:t>TMB </a:t>
-            </a:r>
-            <a:r>
-              <a:rPr lang="en-US" dirty="0" err="1"/>
-              <a:t>puede</a:t>
-            </a:r>
-            <a:r>
-              <a:rPr lang="en-US" dirty="0"/>
-              <a:t> </a:t>
-            </a:r>
-            <a:r>
-              <a:rPr lang="en-US" dirty="0" err="1"/>
-              <a:t>ajustar</a:t>
-            </a:r>
-            <a:r>
-              <a:rPr lang="en-US" dirty="0"/>
-              <a:t> </a:t>
-            </a:r>
-            <a:r>
-              <a:rPr lang="en-US" dirty="0" err="1"/>
-              <a:t>casi</a:t>
-            </a:r>
-            <a:r>
-              <a:rPr lang="en-US" dirty="0"/>
-              <a:t> </a:t>
-            </a:r>
-            <a:r>
-              <a:rPr lang="en-US" dirty="0" err="1"/>
-              <a:t>todos</a:t>
-            </a:r>
-            <a:r>
-              <a:rPr lang="en-US" dirty="0"/>
-              <a:t> los </a:t>
-            </a:r>
-            <a:r>
-              <a:rPr lang="en-US" dirty="0" err="1"/>
-              <a:t>modelos</a:t>
-            </a:r>
-            <a:r>
-              <a:rPr lang="en-US" dirty="0"/>
-              <a:t> </a:t>
-            </a:r>
-            <a:r>
-              <a:rPr lang="en-US" dirty="0" err="1"/>
-              <a:t>estadísticos</a:t>
-            </a:r>
-            <a:r>
-              <a:rPr lang="en-US" dirty="0"/>
-              <a:t>, es </a:t>
-            </a:r>
-            <a:r>
-              <a:rPr lang="en-US" b="1" dirty="0"/>
-              <a:t>MUY</a:t>
-            </a:r>
-            <a:r>
-              <a:rPr lang="en-US" dirty="0"/>
-              <a:t> </a:t>
-            </a:r>
-            <a:r>
-              <a:rPr lang="en-US" dirty="0" err="1"/>
-              <a:t>poderoso</a:t>
-            </a:r>
-            <a:endParaRPr lang="en-US" dirty="0"/>
+          </a:p>
+          <a:p>
+            <a:pPr marL="514350" indent="-514350">
+              <a:buFont typeface="+mj-lt"/>
+              <a:buAutoNum type="arabicPeriod"/>
+            </a:pPr>
+            <a:endParaRPr lang="es-419" sz="2700" noProof="0" dirty="0"/>
           </a:p>
         </p:txBody>
       </p:sp>
@@ -10350,7 +10748,7 @@
           <p:cNvPr id="4" name="Slide Number Placeholder 3">
             <a:extLst>
               <a:ext uri="{FF2B5EF4-FFF2-40B4-BE49-F238E27FC236}">
-                <a16:creationId xmlns:a16="http://schemas.microsoft.com/office/drawing/2014/main" id="{2F14697E-4540-4CA4-8BDE-7D7522A7E8AC}"/>
+                <a16:creationId xmlns:a16="http://schemas.microsoft.com/office/drawing/2014/main" id="{714B846A-2D9A-45BD-94E4-9687193405CD}"/>
               </a:ext>
             </a:extLst>
           </p:cNvPr>
@@ -10377,7 +10775,7 @@
     </p:spTree>
     <p:extLst>
       <p:ext uri="{BB962C8B-B14F-4D97-AF65-F5344CB8AC3E}">
-        <p14:creationId xmlns:p14="http://schemas.microsoft.com/office/powerpoint/2010/main" val="585277693"/>
+        <p14:creationId xmlns:p14="http://schemas.microsoft.com/office/powerpoint/2010/main" val="4224624255"/>
       </p:ext>
     </p:extLst>
   </p:cSld>
@@ -10406,13 +10804,7 @@
       </p:grpSpPr>
       <p:sp>
         <p:nvSpPr>
-          <p:cNvPr id="2" name="Title 1">
-            <a:extLst>
-              <a:ext uri="{FF2B5EF4-FFF2-40B4-BE49-F238E27FC236}">
-                <a16:creationId xmlns:a16="http://schemas.microsoft.com/office/drawing/2014/main" id="{5EB8122A-E5D5-40DB-9C80-BBCB3BBDECD7}"/>
-              </a:ext>
-            </a:extLst>
-          </p:cNvPr>
+          <p:cNvPr id="2" name="Title 1"/>
           <p:cNvSpPr>
             <a:spLocks noGrp="1"/>
           </p:cNvSpPr>
@@ -10420,60 +10812,21 @@
             <p:ph type="title"/>
           </p:nvPr>
         </p:nvSpPr>
-        <p:spPr>
-          <a:xfrm>
-            <a:off x="628650" y="365126"/>
-            <a:ext cx="7886700" cy="1325563"/>
-          </a:xfrm>
-        </p:spPr>
+        <p:spPr/>
         <p:txBody>
           <a:bodyPr/>
           <a:lstStyle/>
           <a:p>
             <a:r>
-              <a:rPr lang="en-US" dirty="0" err="1"/>
-              <a:t>Revisión</a:t>
-            </a:r>
-            <a:r>
-              <a:rPr lang="en-US" dirty="0"/>
-              <a:t> del </a:t>
-            </a:r>
-            <a:r>
-              <a:rPr lang="en-US" dirty="0" err="1"/>
-              <a:t>flujo</a:t>
-            </a:r>
-            <a:r>
-              <a:rPr lang="en-US" dirty="0"/>
-              <a:t> de </a:t>
-            </a:r>
-            <a:r>
-              <a:rPr lang="en-US" dirty="0" err="1"/>
-              <a:t>trabajo</a:t>
-            </a:r>
-            <a:r>
-              <a:rPr lang="en-US" dirty="0"/>
-              <a:t> </a:t>
-            </a:r>
-            <a:r>
-              <a:rPr lang="en-US" dirty="0" err="1"/>
-              <a:t>en</a:t>
-            </a:r>
-            <a:r>
-              <a:rPr lang="en-US" dirty="0"/>
-              <a:t> TMB</a:t>
-            </a:r>
-          </a:p>
-        </p:txBody>
-      </p:sp>
-      <p:sp>
-        <p:nvSpPr>
-          <p:cNvPr id="3" name="Content Placeholder 2">
-            <a:extLst>
-              <a:ext uri="{FF2B5EF4-FFF2-40B4-BE49-F238E27FC236}">
-                <a16:creationId xmlns:a16="http://schemas.microsoft.com/office/drawing/2014/main" id="{547B9D8F-0982-4A94-B47A-F28857104C64}"/>
-              </a:ext>
-            </a:extLst>
-          </p:cNvPr>
+              <a:rPr lang="es-AR" dirty="0"/>
+              <a:t>Razones para el uso de MJ</a:t>
+            </a:r>
+          </a:p>
+        </p:txBody>
+      </p:sp>
+      <p:sp>
+        <p:nvSpPr>
+          <p:cNvPr id="3" name="Content Placeholder 2"/>
           <p:cNvSpPr>
             <a:spLocks noGrp="1"/>
           </p:cNvSpPr>
@@ -10481,333 +10834,54 @@
             <p:ph idx="1"/>
           </p:nvPr>
         </p:nvSpPr>
-        <p:spPr>
-          <a:xfrm>
-            <a:off x="376518" y="1160929"/>
-            <a:ext cx="8229600" cy="4530725"/>
-          </a:xfrm>
-        </p:spPr>
-        <p:txBody>
-          <a:bodyPr/>
+        <p:spPr/>
+        <p:txBody>
+          <a:bodyPr>
+            <a:normAutofit fontScale="92500" lnSpcReduction="10000"/>
+          </a:bodyPr>
           <a:lstStyle/>
           <a:p>
-            <a:pPr marL="514350" indent="-514350">
-              <a:buFont typeface="+mj-lt"/>
-              <a:buAutoNum type="arabicPeriod"/>
-            </a:pPr>
-            <a:r>
-              <a:rPr lang="en-US" sz="2800" dirty="0" err="1"/>
-              <a:t>Postular</a:t>
-            </a:r>
-            <a:r>
-              <a:rPr lang="en-US" sz="2800" dirty="0"/>
-              <a:t> un </a:t>
-            </a:r>
-            <a:r>
-              <a:rPr lang="en-US" sz="2800" dirty="0" err="1"/>
-              <a:t>modelo</a:t>
-            </a:r>
-            <a:r>
-              <a:rPr lang="en-US" sz="2800" dirty="0"/>
-              <a:t> </a:t>
-            </a:r>
-            <a:r>
-              <a:rPr lang="en-US" sz="2800" dirty="0" err="1"/>
-              <a:t>estadístico</a:t>
-            </a:r>
-            <a:endParaRPr lang="en-US" sz="2800" dirty="0"/>
-          </a:p>
-          <a:p>
-            <a:pPr marL="514350" indent="-514350">
-              <a:buFont typeface="+mj-lt"/>
-              <a:buAutoNum type="arabicPeriod"/>
-            </a:pPr>
-            <a:r>
-              <a:rPr lang="en-US" sz="2800" dirty="0" err="1"/>
-              <a:t>Escriba</a:t>
-            </a:r>
-            <a:r>
-              <a:rPr lang="en-US" sz="2800" dirty="0"/>
-              <a:t> un </a:t>
-            </a:r>
-            <a:r>
-              <a:rPr lang="en-US" sz="2800" dirty="0" err="1"/>
-              <a:t>modelo</a:t>
-            </a:r>
-            <a:r>
-              <a:rPr lang="en-US" sz="2800" dirty="0"/>
-              <a:t> </a:t>
-            </a:r>
-            <a:r>
-              <a:rPr lang="en-US" sz="2800" dirty="0" err="1"/>
-              <a:t>en</a:t>
-            </a:r>
-            <a:r>
-              <a:rPr lang="en-US" sz="2800" dirty="0"/>
-              <a:t> </a:t>
-            </a:r>
-            <a:r>
-              <a:rPr lang="en-US" sz="2800" dirty="0" err="1"/>
-              <a:t>el</a:t>
-            </a:r>
-            <a:r>
-              <a:rPr lang="en-US" sz="2800" dirty="0"/>
-              <a:t> </a:t>
-            </a:r>
-            <a:r>
-              <a:rPr lang="en-US" sz="2800" dirty="0" err="1"/>
-              <a:t>archivo</a:t>
-            </a:r>
-            <a:r>
-              <a:rPr lang="en-US" sz="2800" dirty="0"/>
-              <a:t>/</a:t>
-            </a:r>
-            <a:r>
-              <a:rPr lang="en-US" sz="2800" dirty="0" err="1"/>
-              <a:t>templete</a:t>
-            </a:r>
-            <a:r>
-              <a:rPr lang="en-US" sz="2800" dirty="0"/>
-              <a:t> C++ para </a:t>
-            </a:r>
-            <a:r>
-              <a:rPr lang="en-US" sz="2800" dirty="0" err="1"/>
-              <a:t>calcular</a:t>
-            </a:r>
-            <a:r>
-              <a:rPr lang="en-US" sz="2800" dirty="0"/>
-              <a:t> la log-</a:t>
-            </a:r>
-            <a:r>
-              <a:rPr lang="en-US" sz="2800" dirty="0" err="1"/>
-              <a:t>verosimilitud</a:t>
-            </a:r>
-            <a:r>
-              <a:rPr lang="en-US" sz="2800" dirty="0"/>
-              <a:t> negative dado los </a:t>
-            </a:r>
-            <a:r>
-              <a:rPr lang="en-US" sz="2800" dirty="0" err="1"/>
-              <a:t>parámetros</a:t>
-            </a:r>
-            <a:endParaRPr lang="en-US" sz="2800" dirty="0"/>
-          </a:p>
-          <a:p>
-            <a:pPr marL="514350" indent="-514350">
-              <a:buFont typeface="+mj-lt"/>
-              <a:buAutoNum type="arabicPeriod"/>
-            </a:pPr>
-            <a:r>
-              <a:rPr lang="en-US" sz="2800" dirty="0"/>
-              <a:t>Compile </a:t>
-            </a:r>
-            <a:r>
-              <a:rPr lang="en-US" sz="2800" dirty="0" err="1"/>
-              <a:t>el</a:t>
-            </a:r>
-            <a:r>
-              <a:rPr lang="en-US" sz="2800" dirty="0"/>
-              <a:t> </a:t>
-            </a:r>
-            <a:r>
-              <a:rPr lang="en-US" sz="2800" dirty="0" err="1"/>
-              <a:t>modelo</a:t>
-            </a:r>
-            <a:r>
-              <a:rPr lang="en-US" sz="2800" dirty="0"/>
-              <a:t> y </a:t>
-            </a:r>
-            <a:r>
-              <a:rPr lang="en-US" sz="2800" dirty="0" err="1"/>
-              <a:t>vincular</a:t>
-            </a:r>
-            <a:r>
-              <a:rPr lang="en-US" sz="2800" dirty="0"/>
-              <a:t> con R</a:t>
-            </a:r>
-          </a:p>
-          <a:p>
-            <a:pPr marL="514350" indent="-514350">
-              <a:buFont typeface="+mj-lt"/>
-              <a:buAutoNum type="arabicPeriod"/>
-            </a:pPr>
-            <a:r>
-              <a:rPr lang="en-US" sz="2800" dirty="0"/>
-              <a:t>Declare que </a:t>
-            </a:r>
-            <a:r>
-              <a:rPr lang="en-US" sz="2800" dirty="0" err="1"/>
-              <a:t>parámetros</a:t>
-            </a:r>
-            <a:r>
-              <a:rPr lang="en-US" sz="2800" dirty="0"/>
-              <a:t> son “</a:t>
-            </a:r>
-            <a:r>
-              <a:rPr lang="en-US" sz="2800" dirty="0" err="1"/>
-              <a:t>aleatorios</a:t>
-            </a:r>
-            <a:r>
-              <a:rPr lang="en-US" sz="2800" dirty="0"/>
-              <a:t>”</a:t>
-            </a:r>
-          </a:p>
-          <a:p>
-            <a:pPr marL="514350" indent="-514350">
-              <a:buFont typeface="+mj-lt"/>
-              <a:buAutoNum type="arabicPeriod"/>
-            </a:pPr>
-            <a:r>
-              <a:rPr lang="en-US" sz="2800" dirty="0" err="1"/>
-              <a:t>Ajuste</a:t>
-            </a:r>
-            <a:r>
-              <a:rPr lang="en-US" sz="2800" dirty="0"/>
-              <a:t> </a:t>
-            </a:r>
-            <a:r>
-              <a:rPr lang="en-US" sz="2800" dirty="0" err="1"/>
-              <a:t>el</a:t>
-            </a:r>
-            <a:r>
-              <a:rPr lang="en-US" sz="2800" dirty="0"/>
-              <a:t> </a:t>
-            </a:r>
-            <a:r>
-              <a:rPr lang="en-US" sz="2800" dirty="0" err="1"/>
-              <a:t>modelo</a:t>
-            </a:r>
-            <a:r>
-              <a:rPr lang="en-US" sz="2800" dirty="0"/>
-              <a:t> </a:t>
-            </a:r>
-            <a:r>
-              <a:rPr lang="en-US" sz="2800" dirty="0" err="1"/>
-              <a:t>utilizando</a:t>
-            </a:r>
-            <a:r>
-              <a:rPr lang="en-US" sz="2800" dirty="0"/>
-              <a:t> </a:t>
-            </a:r>
-            <a:r>
-              <a:rPr lang="en-US" sz="2800" dirty="0" err="1"/>
-              <a:t>el</a:t>
-            </a:r>
-            <a:r>
-              <a:rPr lang="en-US" sz="2800" dirty="0"/>
-              <a:t> </a:t>
-            </a:r>
-            <a:r>
-              <a:rPr lang="en-US" sz="2800" dirty="0" err="1"/>
-              <a:t>minimizador</a:t>
-            </a:r>
-            <a:r>
-              <a:rPr lang="en-US" sz="2800" dirty="0"/>
-              <a:t> de R y las </a:t>
-            </a:r>
-            <a:r>
-              <a:rPr lang="en-US" sz="2800" dirty="0" err="1"/>
-              <a:t>funciones</a:t>
-            </a:r>
-            <a:r>
-              <a:rPr lang="en-US" sz="2800" dirty="0"/>
-              <a:t> </a:t>
-            </a:r>
-            <a:r>
-              <a:rPr lang="en-US" sz="2800" dirty="0" err="1"/>
-              <a:t>objetivo</a:t>
-            </a:r>
-            <a:r>
-              <a:rPr lang="en-US" sz="2800" dirty="0"/>
-              <a:t> y de </a:t>
-            </a:r>
-            <a:r>
-              <a:rPr lang="en-US" sz="2800" dirty="0" err="1"/>
-              <a:t>gradiente</a:t>
-            </a:r>
-            <a:r>
-              <a:rPr lang="en-US" sz="2800" dirty="0"/>
-              <a:t> que </a:t>
-            </a:r>
-            <a:r>
-              <a:rPr lang="en-US" sz="2800" dirty="0" err="1"/>
-              <a:t>entrega</a:t>
-            </a:r>
-            <a:r>
-              <a:rPr lang="en-US" sz="2800" dirty="0"/>
-              <a:t> TMB</a:t>
-            </a:r>
-          </a:p>
-          <a:p>
-            <a:pPr marL="514350" indent="-514350">
-              <a:buFont typeface="+mj-lt"/>
-              <a:buAutoNum type="arabicPeriod"/>
-            </a:pPr>
-            <a:r>
-              <a:rPr lang="en-US" sz="2800" dirty="0" err="1"/>
-              <a:t>Haga</a:t>
-            </a:r>
-            <a:r>
-              <a:rPr lang="en-US" sz="2800" dirty="0"/>
-              <a:t> </a:t>
-            </a:r>
-            <a:r>
-              <a:rPr lang="en-US" sz="2800" dirty="0" err="1"/>
-              <a:t>inferencia</a:t>
-            </a:r>
-            <a:r>
-              <a:rPr lang="en-US" sz="2800" dirty="0"/>
-              <a:t> con </a:t>
-            </a:r>
-            <a:r>
-              <a:rPr lang="en-US" sz="2800" dirty="0" err="1"/>
-              <a:t>máxima</a:t>
-            </a:r>
-            <a:r>
-              <a:rPr lang="en-US" sz="2800" dirty="0"/>
-              <a:t> </a:t>
-            </a:r>
-            <a:r>
-              <a:rPr lang="en-US" sz="2800" dirty="0" err="1"/>
-              <a:t>verosimilitud</a:t>
-            </a:r>
-            <a:endParaRPr lang="en-US" sz="2800" dirty="0"/>
-          </a:p>
-        </p:txBody>
-      </p:sp>
-      <p:sp>
-        <p:nvSpPr>
-          <p:cNvPr id="4" name="Slide Number Placeholder 3">
-            <a:extLst>
-              <a:ext uri="{FF2B5EF4-FFF2-40B4-BE49-F238E27FC236}">
-                <a16:creationId xmlns:a16="http://schemas.microsoft.com/office/drawing/2014/main" id="{714B846A-2D9A-45BD-94E4-9687193405CD}"/>
-              </a:ext>
-            </a:extLst>
-          </p:cNvPr>
-          <p:cNvSpPr>
-            <a:spLocks noGrp="1"/>
-          </p:cNvSpPr>
-          <p:nvPr>
-            <p:ph type="sldNum" sz="quarter" idx="12"/>
-          </p:nvPr>
-        </p:nvSpPr>
-        <p:spPr/>
-        <p:txBody>
-          <a:bodyPr/>
-          <a:lstStyle/>
-          <a:p>
-            <a:fld id="{A90099C9-4CB8-9A40-B745-9AB270505907}" type="slidenum">
-              <a:rPr lang="en-US" smtClean="0"/>
-              <a:t>6</a:t>
-            </a:fld>
-            <a:endParaRPr lang="en-US"/>
+            <a:r>
+              <a:rPr lang="es-AR" dirty="0"/>
+              <a:t>Incluir los procesos aleatorios en el sistema </a:t>
+            </a:r>
+          </a:p>
+          <a:p>
+            <a:r>
+              <a:rPr lang="es-AR" dirty="0"/>
+              <a:t>Particiona la varibilidad en los componentes fijos y aleatorio – el ejemplo previo</a:t>
+            </a:r>
+          </a:p>
+          <a:p>
+            <a:r>
+              <a:rPr lang="es-AR" dirty="0"/>
+              <a:t>Construir modelos que incluyen una correlación entre parámetros – como sobrevivencia y fecundidad</a:t>
+            </a:r>
+          </a:p>
+          <a:p>
+            <a:r>
+              <a:rPr lang="es-AR" dirty="0"/>
+              <a:t>Corregir por </a:t>
+            </a:r>
+            <a:r>
+              <a:rPr lang="es-AR" dirty="0" err="1"/>
+              <a:t>pseudo-replicación</a:t>
+            </a:r>
+            <a:r>
+              <a:rPr lang="es-AR" dirty="0"/>
+              <a:t> – ocurre cuando las muestras no son independientes, entonces construimos un modelo que tiene estructura de muestras dependientes</a:t>
+            </a:r>
+            <a:endParaRPr lang="en-US" dirty="0"/>
+          </a:p>
+          <a:p>
+            <a:endParaRPr lang="en-US" dirty="0"/>
           </a:p>
         </p:txBody>
       </p:sp>
     </p:spTree>
     <p:extLst>
       <p:ext uri="{BB962C8B-B14F-4D97-AF65-F5344CB8AC3E}">
-        <p14:creationId xmlns:p14="http://schemas.microsoft.com/office/powerpoint/2010/main" val="621194846"/>
+        <p14:creationId xmlns:p14="http://schemas.microsoft.com/office/powerpoint/2010/main" val="476014889"/>
       </p:ext>
     </p:extLst>
   </p:cSld>
@@ -10836,7 +10910,46 @@
       </p:grpSpPr>
       <p:sp>
         <p:nvSpPr>
-          <p:cNvPr id="2" name="Title 1"/>
+          <p:cNvPr id="3" name="Content Placeholder 2"/>
+          <p:cNvSpPr>
+            <a:spLocks noGrp="1"/>
+          </p:cNvSpPr>
+          <p:nvPr>
+            <p:ph idx="1"/>
+          </p:nvPr>
+        </p:nvSpPr>
+        <p:spPr/>
+        <p:txBody>
+          <a:bodyPr>
+            <a:normAutofit/>
+          </a:bodyPr>
+          <a:lstStyle/>
+          <a:p>
+            <a:r>
+              <a:rPr lang="es-AR" dirty="0"/>
+              <a:t>Mejora el alcance de la inferencia – aplicar la aleatoriedad a una nueva población no estudiada</a:t>
+            </a:r>
+          </a:p>
+          <a:p>
+            <a:r>
+              <a:rPr lang="es-AR" dirty="0"/>
+              <a:t>Fuerza en compartir – efectos no son estimados independientemente pero de manera agrupada entonces comparten informacion en grupo</a:t>
+            </a:r>
+          </a:p>
+          <a:p>
+            <a:r>
+              <a:rPr lang="es-AR" dirty="0"/>
+              <a:t>Información combinada – meta-análisis de estudios repetidos  por estudios de grupo</a:t>
+            </a:r>
+          </a:p>
+          <a:p>
+            <a:endParaRPr lang="es-AR" dirty="0"/>
+          </a:p>
+        </p:txBody>
+      </p:sp>
+      <p:sp>
+        <p:nvSpPr>
+          <p:cNvPr id="5" name="Title 1"/>
           <p:cNvSpPr>
             <a:spLocks noGrp="1"/>
           </p:cNvSpPr>
@@ -10844,81 +10957,571 @@
             <p:ph type="title"/>
           </p:nvPr>
         </p:nvSpPr>
-        <p:spPr/>
+        <p:spPr>
+          <a:xfrm>
+            <a:off x="457200" y="277813"/>
+            <a:ext cx="8229600" cy="1139825"/>
+          </a:xfrm>
+        </p:spPr>
         <p:txBody>
           <a:bodyPr/>
           <a:lstStyle/>
           <a:p>
-            <a:endParaRPr lang="en-US" dirty="0"/>
-          </a:p>
-        </p:txBody>
-      </p:sp>
-      <p:sp>
-        <p:nvSpPr>
-          <p:cNvPr id="3" name="Content Placeholder 2"/>
-          <p:cNvSpPr>
-            <a:spLocks noGrp="1"/>
-          </p:cNvSpPr>
-          <p:nvPr>
-            <p:ph idx="1"/>
-          </p:nvPr>
-        </p:nvSpPr>
-        <p:spPr/>
-        <p:txBody>
-          <a:bodyPr/>
-          <a:lstStyle/>
-          <a:p>
-            <a:r>
-              <a:rPr lang="en-US" dirty="0" smtClean="0"/>
-              <a:t>Thanks to:</a:t>
-            </a:r>
-          </a:p>
-          <a:p>
-            <a:r>
-              <a:rPr lang="en-US" dirty="0" smtClean="0"/>
-              <a:t>Dr. Ernst for organizing the course, translation of materials, and participation</a:t>
-            </a:r>
-          </a:p>
-          <a:p>
-            <a:r>
-              <a:rPr lang="en-US" dirty="0" err="1" smtClean="0"/>
-              <a:t>UdeC</a:t>
-            </a:r>
-            <a:r>
-              <a:rPr lang="en-US" dirty="0" smtClean="0"/>
-              <a:t> for hosting</a:t>
-            </a:r>
-            <a:endParaRPr lang="en-US" dirty="0"/>
-          </a:p>
-        </p:txBody>
-      </p:sp>
-      <p:sp>
-        <p:nvSpPr>
-          <p:cNvPr id="4" name="Slide Number Placeholder 3"/>
-          <p:cNvSpPr>
-            <a:spLocks noGrp="1"/>
-          </p:cNvSpPr>
-          <p:nvPr>
-            <p:ph type="sldNum" sz="quarter" idx="12"/>
-          </p:nvPr>
-        </p:nvSpPr>
-        <p:spPr/>
-        <p:txBody>
-          <a:bodyPr/>
-          <a:lstStyle/>
-          <a:p>
-            <a:fld id="{2F5854F6-968A-43DD-98AD-2128488B7BB7}" type="slidenum">
-              <a:rPr lang="en-US" smtClean="0"/>
-              <a:t>7</a:t>
-            </a:fld>
-            <a:endParaRPr lang="en-US"/>
+            <a:r>
+              <a:rPr lang="es-AR" dirty="0"/>
+              <a:t>Razones para el uso de MJ II</a:t>
+            </a:r>
           </a:p>
         </p:txBody>
       </p:sp>
     </p:spTree>
     <p:extLst>
       <p:ext uri="{BB962C8B-B14F-4D97-AF65-F5344CB8AC3E}">
-        <p14:creationId xmlns:p14="http://schemas.microsoft.com/office/powerpoint/2010/main" val="3038032599"/>
+        <p14:creationId xmlns:p14="http://schemas.microsoft.com/office/powerpoint/2010/main" val="143239197"/>
+      </p:ext>
+    </p:extLst>
+  </p:cSld>
+  <p:clrMapOvr>
+    <a:masterClrMapping/>
+  </p:clrMapOvr>
+</p:sld>
+</file>
+
+<file path=ppt/slides/slide8.xml><?xml version="1.0" encoding="utf-8"?>
+<p:sld xmlns:a="http://schemas.openxmlformats.org/drawingml/2006/main" xmlns:r="http://schemas.openxmlformats.org/officeDocument/2006/relationships" xmlns:p="http://schemas.openxmlformats.org/presentationml/2006/main">
+  <p:cSld>
+    <p:spTree>
+      <p:nvGrpSpPr>
+        <p:cNvPr id="1" name=""/>
+        <p:cNvGrpSpPr/>
+        <p:nvPr/>
+      </p:nvGrpSpPr>
+      <p:grpSpPr>
+        <a:xfrm>
+          <a:off x="0" y="0"/>
+          <a:ext cx="0" cy="0"/>
+          <a:chOff x="0" y="0"/>
+          <a:chExt cx="0" cy="0"/>
+        </a:xfrm>
+      </p:grpSpPr>
+      <p:sp>
+        <p:nvSpPr>
+          <p:cNvPr id="2" name="Title 1">
+            <a:extLst>
+              <a:ext uri="{FF2B5EF4-FFF2-40B4-BE49-F238E27FC236}">
+                <a16:creationId xmlns:a16="http://schemas.microsoft.com/office/drawing/2014/main" id="{E622C5D6-127E-4E13-A682-50C23F6FCCA3}"/>
+              </a:ext>
+            </a:extLst>
+          </p:cNvPr>
+          <p:cNvSpPr>
+            <a:spLocks noGrp="1"/>
+          </p:cNvSpPr>
+          <p:nvPr>
+            <p:ph type="title"/>
+          </p:nvPr>
+        </p:nvSpPr>
+        <p:spPr/>
+        <p:txBody>
+          <a:bodyPr/>
+          <a:lstStyle/>
+          <a:p>
+            <a:r>
+              <a:rPr lang="es-419" noProof="0" dirty="0" smtClean="0"/>
+              <a:t>HM por </a:t>
+            </a:r>
+            <a:r>
+              <a:rPr lang="es-419" noProof="0" dirty="0" err="1" smtClean="0"/>
+              <a:t>Royle</a:t>
+            </a:r>
+            <a:r>
+              <a:rPr lang="es-419" noProof="0" dirty="0" smtClean="0"/>
+              <a:t> &amp; </a:t>
+            </a:r>
+            <a:r>
+              <a:rPr lang="es-419" noProof="0" dirty="0" err="1" smtClean="0"/>
+              <a:t>Dorazio</a:t>
+            </a:r>
+            <a:endParaRPr lang="es-419" noProof="0" dirty="0"/>
+          </a:p>
+        </p:txBody>
+      </p:sp>
+      <p:sp>
+        <p:nvSpPr>
+          <p:cNvPr id="3" name="Content Placeholder 2">
+            <a:extLst>
+              <a:ext uri="{FF2B5EF4-FFF2-40B4-BE49-F238E27FC236}">
+                <a16:creationId xmlns:a16="http://schemas.microsoft.com/office/drawing/2014/main" id="{6C383712-B948-4BB6-80DA-20C80E766461}"/>
+              </a:ext>
+            </a:extLst>
+          </p:cNvPr>
+          <p:cNvSpPr>
+            <a:spLocks noGrp="1"/>
+          </p:cNvSpPr>
+          <p:nvPr>
+            <p:ph idx="1"/>
+          </p:nvPr>
+        </p:nvSpPr>
+        <p:spPr>
+          <a:xfrm>
+            <a:off x="471333" y="954584"/>
+            <a:ext cx="8515350" cy="3364442"/>
+          </a:xfrm>
+        </p:spPr>
+        <p:txBody>
+          <a:bodyPr/>
+          <a:lstStyle/>
+          <a:p>
+            <a:r>
+              <a:rPr lang="es-419" noProof="0" dirty="0" smtClean="0"/>
+              <a:t>Los modelos estadísticos son ampliamente utilizados en ecología</a:t>
+            </a:r>
+          </a:p>
+          <a:p>
+            <a:r>
+              <a:rPr lang="es-419" noProof="0" dirty="0" smtClean="0"/>
+              <a:t>Una “aproximación conceptual y filosófica para hacer ciencia” con modelos distintivos:</a:t>
+            </a:r>
+          </a:p>
+          <a:p>
+            <a:pPr lvl="1"/>
+            <a:r>
+              <a:rPr lang="es-419" i="1" noProof="0" dirty="0" smtClean="0"/>
+              <a:t>Observación: Como son observados los datos </a:t>
+            </a:r>
+            <a:r>
+              <a:rPr lang="es-419" noProof="0" dirty="0" smtClean="0"/>
+              <a:t>(con error), dado el proceso</a:t>
+            </a:r>
+            <a:r>
+              <a:rPr lang="es-419" i="1" noProof="0" dirty="0" smtClean="0"/>
+              <a:t>.</a:t>
+            </a:r>
+          </a:p>
+          <a:p>
+            <a:pPr lvl="1"/>
+            <a:r>
+              <a:rPr lang="es-419" i="1" noProof="0" dirty="0" smtClean="0"/>
+              <a:t>Proceso:</a:t>
+            </a:r>
+            <a:r>
+              <a:rPr lang="es-419" noProof="0" dirty="0" smtClean="0"/>
+              <a:t> Describe la dinámica de los procesos ecológicos (</a:t>
+            </a:r>
+            <a:r>
+              <a:rPr lang="es-419" noProof="0" dirty="0" err="1" smtClean="0"/>
+              <a:t>e.g</a:t>
+            </a:r>
+            <a:r>
+              <a:rPr lang="es-419" noProof="0" dirty="0" smtClean="0"/>
+              <a:t>. abundancia animal en espacio/tiempo)</a:t>
+            </a:r>
+            <a:endParaRPr lang="es-419" noProof="0" dirty="0"/>
+          </a:p>
+        </p:txBody>
+      </p:sp>
+      <p:sp>
+        <p:nvSpPr>
+          <p:cNvPr id="4" name="TextBox 3">
+            <a:extLst>
+              <a:ext uri="{FF2B5EF4-FFF2-40B4-BE49-F238E27FC236}">
+                <a16:creationId xmlns:a16="http://schemas.microsoft.com/office/drawing/2014/main" id="{91B8C2B7-D83A-4DE3-8D72-2F8B77908725}"/>
+              </a:ext>
+            </a:extLst>
+          </p:cNvPr>
+          <p:cNvSpPr txBox="1"/>
+          <p:nvPr/>
+        </p:nvSpPr>
+        <p:spPr>
+          <a:xfrm>
+            <a:off x="6185648" y="6495301"/>
+            <a:ext cx="2689411" cy="369332"/>
+          </a:xfrm>
+          <a:prstGeom prst="rect">
+            <a:avLst/>
+          </a:prstGeom>
+          <a:noFill/>
+        </p:spPr>
+        <p:txBody>
+          <a:bodyPr wrap="square" rtlCol="0">
+            <a:spAutoFit/>
+          </a:bodyPr>
+          <a:lstStyle/>
+          <a:p>
+            <a:pPr algn="r"/>
+            <a:r>
+              <a:rPr lang="en-US" dirty="0" err="1"/>
+              <a:t>Royle</a:t>
+            </a:r>
+            <a:r>
+              <a:rPr lang="en-US" dirty="0"/>
+              <a:t> and </a:t>
+            </a:r>
+            <a:r>
+              <a:rPr lang="en-US" dirty="0" err="1"/>
+              <a:t>Dorazio</a:t>
+            </a:r>
+            <a:r>
+              <a:rPr lang="en-US" dirty="0"/>
+              <a:t> 2008</a:t>
+            </a:r>
+          </a:p>
+        </p:txBody>
+      </p:sp>
+      <p:sp>
+        <p:nvSpPr>
+          <p:cNvPr id="5" name="TextBox 4">
+            <a:extLst>
+              <a:ext uri="{FF2B5EF4-FFF2-40B4-BE49-F238E27FC236}">
+                <a16:creationId xmlns:a16="http://schemas.microsoft.com/office/drawing/2014/main" id="{E2E80CC1-A3B1-41D5-974D-84E31E682088}"/>
+              </a:ext>
+            </a:extLst>
+          </p:cNvPr>
+          <p:cNvSpPr txBox="1"/>
+          <p:nvPr/>
+        </p:nvSpPr>
+        <p:spPr>
+          <a:xfrm>
+            <a:off x="490070" y="5109076"/>
+            <a:ext cx="8163859" cy="461665"/>
+          </a:xfrm>
+          <a:prstGeom prst="rect">
+            <a:avLst/>
+          </a:prstGeom>
+          <a:noFill/>
+        </p:spPr>
+        <p:txBody>
+          <a:bodyPr wrap="square" rtlCol="0">
+            <a:spAutoFit/>
+          </a:bodyPr>
+          <a:lstStyle/>
+          <a:p>
+            <a:r>
+              <a:rPr lang="en-US" sz="2400" dirty="0"/>
+              <a:t>P(</a:t>
+            </a:r>
+            <a:r>
+              <a:rPr lang="en-US" sz="2400" dirty="0" err="1"/>
+              <a:t>datos|procesos</a:t>
+            </a:r>
+            <a:r>
+              <a:rPr lang="en-US" sz="2400" dirty="0"/>
+              <a:t>, </a:t>
+            </a:r>
+            <a:r>
+              <a:rPr lang="en-US" sz="2400" dirty="0" err="1"/>
+              <a:t>parámetros</a:t>
+            </a:r>
+            <a:r>
+              <a:rPr lang="en-US" sz="2400" dirty="0"/>
+              <a:t>)*P(</a:t>
+            </a:r>
+            <a:r>
+              <a:rPr lang="en-US" sz="2400" dirty="0" err="1"/>
+              <a:t>procesos|parámetros</a:t>
+            </a:r>
+            <a:r>
+              <a:rPr lang="en-US" sz="2400" dirty="0"/>
+              <a:t>)</a:t>
+            </a:r>
+          </a:p>
+        </p:txBody>
+      </p:sp>
+      <p:sp>
+        <p:nvSpPr>
+          <p:cNvPr id="6" name="TextBox 5">
+            <a:extLst>
+              <a:ext uri="{FF2B5EF4-FFF2-40B4-BE49-F238E27FC236}">
+                <a16:creationId xmlns:a16="http://schemas.microsoft.com/office/drawing/2014/main" id="{B12D25C0-03D8-409E-917F-DE6130EAECAC}"/>
+              </a:ext>
+            </a:extLst>
+          </p:cNvPr>
+          <p:cNvSpPr txBox="1"/>
+          <p:nvPr/>
+        </p:nvSpPr>
+        <p:spPr>
+          <a:xfrm>
+            <a:off x="1346199" y="5601335"/>
+            <a:ext cx="2429387" cy="461665"/>
+          </a:xfrm>
+          <a:prstGeom prst="rect">
+            <a:avLst/>
+          </a:prstGeom>
+          <a:noFill/>
+        </p:spPr>
+        <p:txBody>
+          <a:bodyPr wrap="square" rtlCol="0">
+            <a:spAutoFit/>
+          </a:bodyPr>
+          <a:lstStyle/>
+          <a:p>
+            <a:pPr algn="ctr"/>
+            <a:r>
+              <a:rPr lang="en-US" sz="2400" b="1" dirty="0" err="1">
+                <a:solidFill>
+                  <a:srgbClr val="FF0000"/>
+                </a:solidFill>
+              </a:rPr>
+              <a:t>observaciones</a:t>
+            </a:r>
+            <a:endParaRPr lang="en-US" sz="2400" b="1" dirty="0">
+              <a:solidFill>
+                <a:srgbClr val="FF0000"/>
+              </a:solidFill>
+            </a:endParaRPr>
+          </a:p>
+        </p:txBody>
+      </p:sp>
+      <p:sp>
+        <p:nvSpPr>
+          <p:cNvPr id="7" name="TextBox 6">
+            <a:extLst>
+              <a:ext uri="{FF2B5EF4-FFF2-40B4-BE49-F238E27FC236}">
+                <a16:creationId xmlns:a16="http://schemas.microsoft.com/office/drawing/2014/main" id="{8793595C-EFFB-4B8A-9747-79DE331D32E6}"/>
+              </a:ext>
+            </a:extLst>
+          </p:cNvPr>
+          <p:cNvSpPr txBox="1"/>
+          <p:nvPr/>
+        </p:nvSpPr>
+        <p:spPr>
+          <a:xfrm>
+            <a:off x="5213951" y="5586078"/>
+            <a:ext cx="2159000" cy="461665"/>
+          </a:xfrm>
+          <a:prstGeom prst="rect">
+            <a:avLst/>
+          </a:prstGeom>
+          <a:noFill/>
+        </p:spPr>
+        <p:txBody>
+          <a:bodyPr wrap="square" rtlCol="0">
+            <a:spAutoFit/>
+          </a:bodyPr>
+          <a:lstStyle/>
+          <a:p>
+            <a:pPr algn="ctr"/>
+            <a:r>
+              <a:rPr lang="en-US" sz="2400" b="1" dirty="0" err="1">
+                <a:solidFill>
+                  <a:srgbClr val="FF0000"/>
+                </a:solidFill>
+              </a:rPr>
+              <a:t>procesos</a:t>
+            </a:r>
+            <a:endParaRPr lang="en-US" sz="2400" b="1" dirty="0">
+              <a:solidFill>
+                <a:srgbClr val="FF0000"/>
+              </a:solidFill>
+            </a:endParaRPr>
+          </a:p>
+        </p:txBody>
+      </p:sp>
+      <p:sp>
+        <p:nvSpPr>
+          <p:cNvPr id="8" name="Slide Number Placeholder 7">
+            <a:extLst>
+              <a:ext uri="{FF2B5EF4-FFF2-40B4-BE49-F238E27FC236}">
+                <a16:creationId xmlns:a16="http://schemas.microsoft.com/office/drawing/2014/main" id="{36492438-0541-48B4-890B-64DD7DC28530}"/>
+              </a:ext>
+            </a:extLst>
+          </p:cNvPr>
+          <p:cNvSpPr>
+            <a:spLocks noGrp="1"/>
+          </p:cNvSpPr>
+          <p:nvPr>
+            <p:ph type="sldNum" sz="quarter" idx="12"/>
+          </p:nvPr>
+        </p:nvSpPr>
+        <p:spPr/>
+        <p:txBody>
+          <a:bodyPr/>
+          <a:lstStyle/>
+          <a:p>
+            <a:fld id="{A90099C9-4CB8-9A40-B745-9AB270505907}" type="slidenum">
+              <a:rPr lang="en-US" smtClean="0"/>
+              <a:t>8</a:t>
+            </a:fld>
+            <a:endParaRPr lang="en-US"/>
+          </a:p>
+        </p:txBody>
+      </p:sp>
+    </p:spTree>
+    <p:extLst>
+      <p:ext uri="{BB962C8B-B14F-4D97-AF65-F5344CB8AC3E}">
+        <p14:creationId xmlns:p14="http://schemas.microsoft.com/office/powerpoint/2010/main" val="60692015"/>
+      </p:ext>
+    </p:extLst>
+  </p:cSld>
+  <p:clrMapOvr>
+    <a:masterClrMapping/>
+  </p:clrMapOvr>
+</p:sld>
+</file>
+
+<file path=ppt/slides/slide9.xml><?xml version="1.0" encoding="utf-8"?>
+<p:sld xmlns:a="http://schemas.openxmlformats.org/drawingml/2006/main" xmlns:r="http://schemas.openxmlformats.org/officeDocument/2006/relationships" xmlns:p="http://schemas.openxmlformats.org/presentationml/2006/main">
+  <p:cSld>
+    <p:spTree>
+      <p:nvGrpSpPr>
+        <p:cNvPr id="1" name=""/>
+        <p:cNvGrpSpPr/>
+        <p:nvPr/>
+      </p:nvGrpSpPr>
+      <p:grpSpPr>
+        <a:xfrm>
+          <a:off x="0" y="0"/>
+          <a:ext cx="0" cy="0"/>
+          <a:chOff x="0" y="0"/>
+          <a:chExt cx="0" cy="0"/>
+        </a:xfrm>
+      </p:grpSpPr>
+      <p:sp>
+        <p:nvSpPr>
+          <p:cNvPr id="2" name="Title 1">
+            <a:extLst>
+              <a:ext uri="{FF2B5EF4-FFF2-40B4-BE49-F238E27FC236}">
+                <a16:creationId xmlns:a16="http://schemas.microsoft.com/office/drawing/2014/main" id="{8573B90D-AA81-4638-8F89-08E6B5562A77}"/>
+              </a:ext>
+            </a:extLst>
+          </p:cNvPr>
+          <p:cNvSpPr>
+            <a:spLocks noGrp="1"/>
+          </p:cNvSpPr>
+          <p:nvPr>
+            <p:ph type="title"/>
+          </p:nvPr>
+        </p:nvSpPr>
+        <p:spPr/>
+        <p:txBody>
+          <a:bodyPr/>
+          <a:lstStyle/>
+          <a:p>
+            <a:r>
+              <a:rPr lang="es-419" noProof="0" dirty="0" smtClean="0"/>
+              <a:t>Revisión de conceptos claves</a:t>
+            </a:r>
+            <a:endParaRPr lang="es-419" noProof="0" dirty="0"/>
+          </a:p>
+        </p:txBody>
+      </p:sp>
+      <p:sp>
+        <p:nvSpPr>
+          <p:cNvPr id="3" name="Content Placeholder 2">
+            <a:extLst>
+              <a:ext uri="{FF2B5EF4-FFF2-40B4-BE49-F238E27FC236}">
+                <a16:creationId xmlns:a16="http://schemas.microsoft.com/office/drawing/2014/main" id="{70870FE1-A863-42A9-BBF2-B9155A37986A}"/>
+              </a:ext>
+            </a:extLst>
+          </p:cNvPr>
+          <p:cNvSpPr>
+            <a:spLocks noGrp="1"/>
+          </p:cNvSpPr>
+          <p:nvPr>
+            <p:ph idx="1"/>
+          </p:nvPr>
+        </p:nvSpPr>
+        <p:spPr>
+          <a:xfrm>
+            <a:off x="457200" y="1053353"/>
+            <a:ext cx="8229600" cy="4530725"/>
+          </a:xfrm>
+        </p:spPr>
+        <p:txBody>
+          <a:bodyPr/>
+          <a:lstStyle/>
+          <a:p>
+            <a:r>
+              <a:rPr lang="es-419" noProof="0" dirty="0" smtClean="0"/>
+              <a:t>Los modelos jerárquicos contienen efectos aleatorios</a:t>
+            </a:r>
+          </a:p>
+          <a:p>
+            <a:r>
+              <a:rPr lang="es-419" noProof="0" dirty="0" smtClean="0"/>
+              <a:t>Ocurren amplia y naturalmente en ecología</a:t>
+            </a:r>
+          </a:p>
+          <a:p>
+            <a:r>
+              <a:rPr lang="es-419" noProof="0" dirty="0" smtClean="0"/>
+              <a:t>Es una forma útil de modelar nuestros datos</a:t>
+            </a:r>
+          </a:p>
+          <a:p>
+            <a:r>
+              <a:rPr lang="es-419" noProof="0" dirty="0" smtClean="0"/>
+              <a:t>Requiere de la integración de efectos aleatorios (que es muy </a:t>
+            </a:r>
+            <a:r>
+              <a:rPr lang="es-419" noProof="0" dirty="0" smtClean="0"/>
+              <a:t>difícil)</a:t>
+            </a:r>
+            <a:endParaRPr lang="es-419" noProof="0" dirty="0" smtClean="0"/>
+          </a:p>
+          <a:p>
+            <a:r>
+              <a:rPr lang="es-419" noProof="0" dirty="0" smtClean="0"/>
+              <a:t>TMB está integrado con R, pero </a:t>
+            </a:r>
+            <a:r>
+              <a:rPr lang="es-419" noProof="0" dirty="0" err="1" smtClean="0"/>
+              <a:t>require</a:t>
+            </a:r>
+            <a:r>
+              <a:rPr lang="es-419" noProof="0" dirty="0" smtClean="0"/>
+              <a:t> de codificar un poco en C++</a:t>
+            </a:r>
+          </a:p>
+          <a:p>
+            <a:r>
+              <a:rPr lang="es-419" noProof="0" dirty="0" smtClean="0"/>
+              <a:t>TMB puede ajustar casi todos los modelos estadísticos, es </a:t>
+            </a:r>
+            <a:r>
+              <a:rPr lang="es-419" b="1" noProof="0" dirty="0" smtClean="0"/>
+              <a:t>MUY</a:t>
+            </a:r>
+            <a:r>
+              <a:rPr lang="es-419" noProof="0" dirty="0" smtClean="0"/>
+              <a:t> poderoso</a:t>
+            </a:r>
+            <a:endParaRPr lang="es-419" noProof="0" dirty="0"/>
+          </a:p>
+        </p:txBody>
+      </p:sp>
+      <p:sp>
+        <p:nvSpPr>
+          <p:cNvPr id="4" name="Slide Number Placeholder 3">
+            <a:extLst>
+              <a:ext uri="{FF2B5EF4-FFF2-40B4-BE49-F238E27FC236}">
+                <a16:creationId xmlns:a16="http://schemas.microsoft.com/office/drawing/2014/main" id="{2F14697E-4540-4CA4-8BDE-7D7522A7E8AC}"/>
+              </a:ext>
+            </a:extLst>
+          </p:cNvPr>
+          <p:cNvSpPr>
+            <a:spLocks noGrp="1"/>
+          </p:cNvSpPr>
+          <p:nvPr>
+            <p:ph type="sldNum" sz="quarter" idx="12"/>
+          </p:nvPr>
+        </p:nvSpPr>
+        <p:spPr/>
+        <p:txBody>
+          <a:bodyPr/>
+          <a:lstStyle/>
+          <a:p>
+            <a:fld id="{A90099C9-4CB8-9A40-B745-9AB270505907}" type="slidenum">
+              <a:rPr lang="en-US" smtClean="0"/>
+              <a:t>9</a:t>
+            </a:fld>
+            <a:endParaRPr lang="en-US"/>
+          </a:p>
+        </p:txBody>
+      </p:sp>
+    </p:spTree>
+    <p:extLst>
+      <p:ext uri="{BB962C8B-B14F-4D97-AF65-F5344CB8AC3E}">
+        <p14:creationId xmlns:p14="http://schemas.microsoft.com/office/powerpoint/2010/main" val="585277693"/>
       </p:ext>
     </p:extLst>
   </p:cSld>
